--- a/pcapresentation.pptx
+++ b/pcapresentation.pptx
@@ -3020,19 +3020,44 @@
         </p:nvSpPr>
         <p:spPr>
           <a:xfrm>
-            <a:off x="1502228" y="1608756"/>
+            <a:off x="1393372" y="2477181"/>
             <a:ext cx="9144000" cy="2387600"/>
           </a:xfrm>
         </p:spPr>
         <p:txBody>
-          <a:bodyPr/>
+          <a:bodyPr>
+            <a:normAutofit fontScale="90000"/>
+          </a:bodyPr>
           <a:lstStyle/>
           <a:p>
             <a:r>
               <a:rPr lang="en-NZ" dirty="0" smtClean="0"/>
               <a:t>Introduction to PCA for the analysis of language variation</a:t>
             </a:r>
-            <a:endParaRPr lang="en-NZ" dirty="0"/>
+            <a:br>
+              <a:rPr lang="en-NZ" dirty="0" smtClean="0"/>
+            </a:br>
+            <a:r>
+              <a:rPr lang="en-NZ" dirty="0"/>
+              <a:t/>
+            </a:r>
+            <a:br>
+              <a:rPr lang="en-NZ" dirty="0"/>
+            </a:br>
+            <a:r>
+              <a:rPr lang="en-NZ" sz="3600" dirty="0" smtClean="0"/>
+              <a:t>Download files from:</a:t>
+            </a:r>
+            <a:br>
+              <a:rPr lang="en-NZ" sz="3600" dirty="0" smtClean="0"/>
+            </a:br>
+            <a:r>
+              <a:rPr lang="en-NZ" sz="3600" dirty="0">
+                <a:hlinkClick r:id="rId2"/>
+              </a:rPr>
+              <a:t>https://jenniferhay.github.io</a:t>
+            </a:r>
+            <a:endParaRPr lang="en-NZ" sz="3600" dirty="0"/>
           </a:p>
         </p:txBody>
       </p:sp>
@@ -3048,7 +3073,7 @@
         </p:nvSpPr>
         <p:spPr>
           <a:xfrm>
-            <a:off x="1240971" y="4429352"/>
+            <a:off x="1240970" y="5038952"/>
             <a:ext cx="9144000" cy="1655762"/>
           </a:xfrm>
         </p:spPr>
@@ -3082,7 +3107,7 @@
           <p:nvPr/>
         </p:nvPicPr>
         <p:blipFill>
-          <a:blip r:embed="rId2" cstate="print">
+          <a:blip r:embed="rId3" cstate="print">
             <a:extLst>
               <a:ext uri="{28A0092B-C50C-407E-A947-70E740481C1C}">
                 <a14:useLocalDpi xmlns:a14="http://schemas.microsoft.com/office/drawing/2010/main" val="0"/>
@@ -8565,7 +8590,12 @@
             <p:ph type="title"/>
           </p:nvPr>
         </p:nvSpPr>
-        <p:spPr/>
+        <p:spPr>
+          <a:xfrm>
+            <a:off x="3755571" y="111351"/>
+            <a:ext cx="10515600" cy="1325563"/>
+          </a:xfrm>
+        </p:spPr>
         <p:txBody>
           <a:bodyPr/>
           <a:lstStyle/>
@@ -8588,12 +8618,48 @@
             <p:ph idx="1"/>
           </p:nvPr>
         </p:nvSpPr>
-        <p:spPr/>
+        <p:spPr>
+          <a:xfrm>
+            <a:off x="435429" y="1436914"/>
+            <a:ext cx="10918371" cy="4740049"/>
+          </a:xfrm>
+        </p:spPr>
         <p:txBody>
           <a:bodyPr>
-            <a:normAutofit fontScale="92500" lnSpcReduction="10000"/>
+            <a:normAutofit fontScale="77500" lnSpcReduction="20000"/>
           </a:bodyPr>
           <a:lstStyle/>
+          <a:p>
+            <a:r>
+              <a:rPr lang="en-NZ" dirty="0" smtClean="0"/>
+              <a:t>Files are at: </a:t>
+            </a:r>
+            <a:r>
+              <a:rPr lang="en-NZ" dirty="0">
+                <a:hlinkClick r:id="rId2"/>
+              </a:rPr>
+              <a:t>https://</a:t>
+            </a:r>
+            <a:r>
+              <a:rPr lang="en-NZ" dirty="0" smtClean="0">
+                <a:hlinkClick r:id="rId2"/>
+              </a:rPr>
+              <a:t>jenniferhay.github.io</a:t>
+            </a:r>
+            <a:endParaRPr lang="en-NZ" dirty="0" smtClean="0"/>
+          </a:p>
+          <a:p>
+            <a:endParaRPr lang="en-NZ" dirty="0"/>
+          </a:p>
+          <a:p>
+            <a:r>
+              <a:rPr lang="en-NZ" dirty="0" smtClean="0"/>
+              <a:t>Download everything into the same folder.</a:t>
+            </a:r>
+          </a:p>
+          <a:p>
+            <a:endParaRPr lang="en-NZ" dirty="0"/>
+          </a:p>
           <a:p>
             <a:r>
               <a:rPr lang="en-NZ" dirty="0" smtClean="0"/>
@@ -8603,6 +8669,9 @@
               <a:rPr lang="en-NZ" dirty="0" err="1" smtClean="0"/>
               <a:t>PCAMaterials.Rmd</a:t>
             </a:r>
+            <a:endParaRPr lang="en-NZ" dirty="0" smtClean="0"/>
+          </a:p>
+          <a:p>
             <a:endParaRPr lang="en-NZ" dirty="0" smtClean="0"/>
           </a:p>
           <a:p>

--- a/pcapresentation.pptx
+++ b/pcapresentation.pptx
@@ -6,15 +6,15 @@
   </p:sldMasterIdLst>
   <p:sldIdLst>
     <p:sldId id="256" r:id="rId2"/>
-    <p:sldId id="302" r:id="rId3"/>
-    <p:sldId id="262" r:id="rId4"/>
-    <p:sldId id="259" r:id="rId5"/>
-    <p:sldId id="261" r:id="rId6"/>
-    <p:sldId id="263" r:id="rId7"/>
-    <p:sldId id="264" r:id="rId8"/>
-    <p:sldId id="300" r:id="rId9"/>
-    <p:sldId id="301" r:id="rId10"/>
-    <p:sldId id="266" r:id="rId11"/>
+    <p:sldId id="303" r:id="rId3"/>
+    <p:sldId id="302" r:id="rId4"/>
+    <p:sldId id="262" r:id="rId5"/>
+    <p:sldId id="259" r:id="rId6"/>
+    <p:sldId id="261" r:id="rId7"/>
+    <p:sldId id="263" r:id="rId8"/>
+    <p:sldId id="264" r:id="rId9"/>
+    <p:sldId id="300" r:id="rId10"/>
+    <p:sldId id="301" r:id="rId11"/>
     <p:sldId id="267" r:id="rId12"/>
     <p:sldId id="295" r:id="rId13"/>
     <p:sldId id="268" r:id="rId14"/>
@@ -3180,37 +3180,528 @@
           <a:bodyPr/>
           <a:lstStyle/>
           <a:p>
+            <a:endParaRPr lang="en-NZ"/>
+          </a:p>
+        </p:txBody>
+      </p:sp>
+      <p:sp>
+        <p:nvSpPr>
+          <p:cNvPr id="3" name="Content Placeholder 2"/>
+          <p:cNvSpPr>
+            <a:spLocks noGrp="1"/>
+          </p:cNvSpPr>
+          <p:nvPr>
+            <p:ph idx="1"/>
+          </p:nvPr>
+        </p:nvSpPr>
+        <p:spPr/>
+        <p:txBody>
+          <a:bodyPr>
+            <a:normAutofit fontScale="92500" lnSpcReduction="20000"/>
+          </a:bodyPr>
+          <a:lstStyle/>
+          <a:p>
             <a:r>
               <a:rPr lang="en-NZ" dirty="0" smtClean="0"/>
-              <a:t>Let’s start with a conceptually easy example.</a:t>
-            </a:r>
+              <a:t>Four data-sets.   </a:t>
+            </a:r>
+          </a:p>
+          <a:p>
             <a:endParaRPr lang="en-NZ" dirty="0"/>
           </a:p>
-        </p:txBody>
-      </p:sp>
-      <p:sp>
-        <p:nvSpPr>
-          <p:cNvPr id="3" name="Content Placeholder 2"/>
-          <p:cNvSpPr>
-            <a:spLocks noGrp="1"/>
-          </p:cNvSpPr>
-          <p:nvPr>
-            <p:ph idx="1"/>
-          </p:nvPr>
-        </p:nvSpPr>
-        <p:spPr/>
-        <p:txBody>
-          <a:bodyPr/>
-          <a:lstStyle/>
-          <a:p>
-            <a:endParaRPr lang="en-NZ"/>
-          </a:p>
-        </p:txBody>
-      </p:sp>
+          <a:p>
+            <a:r>
+              <a:rPr lang="en-NZ" dirty="0" smtClean="0"/>
+              <a:t>What attitudes and exposure to participants have toward </a:t>
+            </a:r>
+            <a:r>
+              <a:rPr lang="en-NZ" dirty="0" err="1" smtClean="0"/>
+              <a:t>te</a:t>
+            </a:r>
+            <a:r>
+              <a:rPr lang="en-NZ" dirty="0" smtClean="0"/>
+              <a:t> reo Māori? (want to </a:t>
+            </a:r>
+            <a:r>
+              <a:rPr lang="en-NZ" i="1" dirty="0" smtClean="0">
+                <a:solidFill>
+                  <a:srgbClr val="FF0000"/>
+                </a:solidFill>
+              </a:rPr>
+              <a:t>reduce dimensionality </a:t>
+            </a:r>
+            <a:r>
+              <a:rPr lang="en-NZ" i="1" dirty="0" smtClean="0">
+                <a:solidFill>
+                  <a:srgbClr val="FF0000"/>
+                </a:solidFill>
+              </a:rPr>
+              <a:t>of independent variables </a:t>
+            </a:r>
+            <a:r>
+              <a:rPr lang="en-NZ" dirty="0" smtClean="0"/>
+              <a:t>then use </a:t>
+            </a:r>
+            <a:r>
+              <a:rPr lang="en-NZ" dirty="0" smtClean="0"/>
+              <a:t>to predict pronunciation)</a:t>
+            </a:r>
+          </a:p>
+          <a:p>
+            <a:r>
+              <a:rPr lang="en-NZ" dirty="0" smtClean="0"/>
+              <a:t>What acoustic variables </a:t>
+            </a:r>
+            <a:r>
+              <a:rPr lang="en-NZ" dirty="0" err="1" smtClean="0"/>
+              <a:t>covary</a:t>
+            </a:r>
+            <a:r>
+              <a:rPr lang="en-NZ" dirty="0" smtClean="0"/>
+              <a:t> in ‘dis/</a:t>
+            </a:r>
+            <a:r>
+              <a:rPr lang="en-NZ" dirty="0" err="1" smtClean="0"/>
+              <a:t>mis</a:t>
+            </a:r>
+            <a:r>
+              <a:rPr lang="en-NZ" dirty="0" smtClean="0"/>
+              <a:t>’ </a:t>
+            </a:r>
+            <a:r>
+              <a:rPr lang="en-NZ" dirty="0" err="1" smtClean="0"/>
+              <a:t>triphones</a:t>
+            </a:r>
+            <a:r>
+              <a:rPr lang="en-NZ" dirty="0" smtClean="0"/>
+              <a:t>? </a:t>
+            </a:r>
+            <a:r>
+              <a:rPr lang="en-NZ" dirty="0" smtClean="0"/>
+              <a:t>(</a:t>
+            </a:r>
+            <a:r>
+              <a:rPr lang="en-NZ" i="1" dirty="0" smtClean="0">
+                <a:solidFill>
+                  <a:srgbClr val="FF0000"/>
+                </a:solidFill>
+              </a:rPr>
+              <a:t>want to reduce </a:t>
+            </a:r>
+            <a:r>
+              <a:rPr lang="en-NZ" i="1" dirty="0" smtClean="0">
+                <a:solidFill>
+                  <a:srgbClr val="FF0000"/>
+                </a:solidFill>
+              </a:rPr>
+              <a:t>dimensionality of dependent variables</a:t>
+            </a:r>
+            <a:r>
+              <a:rPr lang="en-NZ" dirty="0" smtClean="0"/>
+              <a:t>, </a:t>
+            </a:r>
+            <a:r>
+              <a:rPr lang="en-NZ" dirty="0" smtClean="0"/>
+              <a:t>then investigate whether prefix status affects  pronunciation)   </a:t>
+            </a:r>
+          </a:p>
+          <a:p>
+            <a:r>
+              <a:rPr lang="en-NZ" dirty="0" smtClean="0"/>
+              <a:t>What vowels cluster together in terms of how </a:t>
+            </a:r>
+            <a:r>
+              <a:rPr lang="en-NZ" dirty="0" err="1" smtClean="0"/>
+              <a:t>sociolinguistically</a:t>
+            </a:r>
+            <a:r>
+              <a:rPr lang="en-NZ" dirty="0" smtClean="0"/>
+              <a:t> advanced they are, across speakers? (</a:t>
+            </a:r>
+            <a:r>
+              <a:rPr lang="en-NZ" i="1" dirty="0" smtClean="0">
+                <a:solidFill>
+                  <a:srgbClr val="FF0000"/>
+                </a:solidFill>
+              </a:rPr>
+              <a:t>want to explore degree to which things are associated</a:t>
+            </a:r>
+            <a:r>
+              <a:rPr lang="en-NZ" dirty="0" smtClean="0"/>
+              <a:t>).</a:t>
+            </a:r>
+          </a:p>
+          <a:p>
+            <a:r>
+              <a:rPr lang="en-NZ" dirty="0" smtClean="0"/>
+              <a:t>What vowels cluster together across time, in individuals’ </a:t>
+            </a:r>
+            <a:r>
+              <a:rPr lang="en-NZ" dirty="0" smtClean="0"/>
+              <a:t>monologues </a:t>
+            </a:r>
+            <a:r>
+              <a:rPr lang="en-NZ" dirty="0" smtClean="0"/>
+              <a:t>(</a:t>
+            </a:r>
+            <a:r>
+              <a:rPr lang="en-NZ" i="1" dirty="0" smtClean="0">
+                <a:solidFill>
+                  <a:srgbClr val="FF0000"/>
+                </a:solidFill>
+              </a:rPr>
+              <a:t>want to explore degree to which things are associated</a:t>
+            </a:r>
+            <a:r>
+              <a:rPr lang="en-NZ" dirty="0" smtClean="0"/>
+              <a:t>).</a:t>
+            </a:r>
+          </a:p>
+          <a:p>
+            <a:endParaRPr lang="en-NZ" dirty="0" smtClean="0"/>
+          </a:p>
+          <a:p>
+            <a:endParaRPr lang="en-NZ" dirty="0" smtClean="0"/>
+          </a:p>
+          <a:p>
+            <a:endParaRPr lang="en-NZ" dirty="0"/>
+          </a:p>
+        </p:txBody>
+      </p:sp>
+      <p:sp>
+        <p:nvSpPr>
+          <p:cNvPr id="4" name="TextBox 3"/>
+          <p:cNvSpPr txBox="1"/>
+          <p:nvPr/>
+        </p:nvSpPr>
+        <p:spPr>
+          <a:xfrm>
+            <a:off x="8552146" y="3202646"/>
+            <a:ext cx="3261021" cy="369332"/>
+          </a:xfrm>
+          <a:prstGeom prst="rect">
+            <a:avLst/>
+          </a:prstGeom>
+          <a:noFill/>
+        </p:spPr>
+        <p:txBody>
+          <a:bodyPr wrap="none" rtlCol="0">
+            <a:spAutoFit/>
+          </a:bodyPr>
+          <a:lstStyle/>
+          <a:p>
+            <a:r>
+              <a:rPr lang="en-NZ" dirty="0" smtClean="0">
+                <a:solidFill>
+                  <a:schemeClr val="accent1">
+                    <a:lumMod val="75000"/>
+                  </a:schemeClr>
+                </a:solidFill>
+              </a:rPr>
+              <a:t>EXTRACT </a:t>
+            </a:r>
+            <a:r>
+              <a:rPr lang="en-NZ" dirty="0" smtClean="0">
+                <a:solidFill>
+                  <a:schemeClr val="accent1">
+                    <a:lumMod val="75000"/>
+                  </a:schemeClr>
+                </a:solidFill>
+              </a:rPr>
+              <a:t>PC scores for SPEAKERS</a:t>
+            </a:r>
+            <a:endParaRPr lang="en-NZ" dirty="0">
+              <a:solidFill>
+                <a:schemeClr val="accent1">
+                  <a:lumMod val="75000"/>
+                </a:schemeClr>
+              </a:solidFill>
+            </a:endParaRPr>
+          </a:p>
+        </p:txBody>
+      </p:sp>
+      <p:sp>
+        <p:nvSpPr>
+          <p:cNvPr id="5" name="TextBox 4"/>
+          <p:cNvSpPr txBox="1"/>
+          <p:nvPr/>
+        </p:nvSpPr>
+        <p:spPr>
+          <a:xfrm>
+            <a:off x="8447385" y="4174250"/>
+            <a:ext cx="3825150" cy="369332"/>
+          </a:xfrm>
+          <a:prstGeom prst="rect">
+            <a:avLst/>
+          </a:prstGeom>
+          <a:noFill/>
+        </p:spPr>
+        <p:txBody>
+          <a:bodyPr wrap="none" rtlCol="0">
+            <a:spAutoFit/>
+          </a:bodyPr>
+          <a:lstStyle/>
+          <a:p>
+            <a:r>
+              <a:rPr lang="en-NZ" dirty="0" smtClean="0">
+                <a:solidFill>
+                  <a:schemeClr val="accent1">
+                    <a:lumMod val="75000"/>
+                  </a:schemeClr>
+                </a:solidFill>
+              </a:rPr>
+              <a:t>EXTRACT PC scores </a:t>
+            </a:r>
+            <a:r>
+              <a:rPr lang="en-NZ" dirty="0" smtClean="0">
+                <a:solidFill>
+                  <a:schemeClr val="accent1">
+                    <a:lumMod val="75000"/>
+                  </a:schemeClr>
+                </a:solidFill>
+              </a:rPr>
+              <a:t>for VOWEL </a:t>
+            </a:r>
+            <a:r>
+              <a:rPr lang="en-NZ" dirty="0" smtClean="0">
+                <a:solidFill>
+                  <a:schemeClr val="accent1">
+                    <a:lumMod val="75000"/>
+                  </a:schemeClr>
+                </a:solidFill>
+              </a:rPr>
+              <a:t>TOKENS</a:t>
+            </a:r>
+            <a:endParaRPr lang="en-NZ" dirty="0">
+              <a:solidFill>
+                <a:schemeClr val="accent1">
+                  <a:lumMod val="75000"/>
+                </a:schemeClr>
+              </a:solidFill>
+            </a:endParaRPr>
+          </a:p>
+        </p:txBody>
+      </p:sp>
+      <p:sp>
+        <p:nvSpPr>
+          <p:cNvPr id="6" name="TextBox 5"/>
+          <p:cNvSpPr txBox="1"/>
+          <p:nvPr/>
+        </p:nvSpPr>
+        <p:spPr>
+          <a:xfrm>
+            <a:off x="8137955" y="5983914"/>
+            <a:ext cx="3849324" cy="646331"/>
+          </a:xfrm>
+          <a:prstGeom prst="rect">
+            <a:avLst/>
+          </a:prstGeom>
+          <a:noFill/>
+        </p:spPr>
+        <p:txBody>
+          <a:bodyPr wrap="none" rtlCol="0">
+            <a:spAutoFit/>
+          </a:bodyPr>
+          <a:lstStyle/>
+          <a:p>
+            <a:r>
+              <a:rPr lang="en-NZ" dirty="0" smtClean="0">
+                <a:solidFill>
+                  <a:schemeClr val="accent1">
+                    <a:lumMod val="75000"/>
+                  </a:schemeClr>
+                </a:solidFill>
+              </a:rPr>
+              <a:t>INVESTIGATE ASSOCIATIONS </a:t>
+            </a:r>
+            <a:r>
+              <a:rPr lang="en-NZ" dirty="0" smtClean="0">
+                <a:solidFill>
+                  <a:schemeClr val="accent1">
+                    <a:lumMod val="75000"/>
+                  </a:schemeClr>
+                </a:solidFill>
+              </a:rPr>
+              <a:t> BETWEEN</a:t>
+            </a:r>
+          </a:p>
+          <a:p>
+            <a:r>
+              <a:rPr lang="en-NZ" dirty="0" smtClean="0">
+                <a:solidFill>
+                  <a:schemeClr val="accent1">
+                    <a:lumMod val="75000"/>
+                  </a:schemeClr>
+                </a:solidFill>
+              </a:rPr>
+              <a:t>LOADINGS </a:t>
+            </a:r>
+            <a:r>
+              <a:rPr lang="en-NZ" dirty="0" smtClean="0">
+                <a:solidFill>
+                  <a:schemeClr val="accent1">
+                    <a:lumMod val="75000"/>
+                  </a:schemeClr>
+                </a:solidFill>
+              </a:rPr>
+              <a:t>WITHIN </a:t>
+            </a:r>
+            <a:r>
+              <a:rPr lang="en-NZ" dirty="0" smtClean="0">
+                <a:solidFill>
+                  <a:schemeClr val="accent1">
+                    <a:lumMod val="75000"/>
+                  </a:schemeClr>
+                </a:solidFill>
+              </a:rPr>
+              <a:t>PCA</a:t>
+            </a:r>
+            <a:endParaRPr lang="en-NZ" dirty="0">
+              <a:solidFill>
+                <a:schemeClr val="accent1">
+                  <a:lumMod val="75000"/>
+                </a:schemeClr>
+              </a:solidFill>
+            </a:endParaRPr>
+          </a:p>
+        </p:txBody>
+      </p:sp>
+      <p:cxnSp>
+        <p:nvCxnSpPr>
+          <p:cNvPr id="8" name="Straight Arrow Connector 7"/>
+          <p:cNvCxnSpPr/>
+          <p:nvPr/>
+        </p:nvCxnSpPr>
+        <p:spPr>
+          <a:xfrm flipH="1" flipV="1">
+            <a:off x="7882324" y="6099291"/>
+            <a:ext cx="305712" cy="283828"/>
+          </a:xfrm>
+          <a:prstGeom prst="straightConnector1">
+            <a:avLst/>
+          </a:prstGeom>
+          <a:ln>
+            <a:tailEnd type="triangle"/>
+          </a:ln>
+        </p:spPr>
+        <p:style>
+          <a:lnRef idx="1">
+            <a:schemeClr val="accent1"/>
+          </a:lnRef>
+          <a:fillRef idx="0">
+            <a:schemeClr val="accent1"/>
+          </a:fillRef>
+          <a:effectRef idx="0">
+            <a:schemeClr val="accent1"/>
+          </a:effectRef>
+          <a:fontRef idx="minor">
+            <a:schemeClr val="tx1"/>
+          </a:fontRef>
+        </p:style>
+      </p:cxnSp>
+      <p:cxnSp>
+        <p:nvCxnSpPr>
+          <p:cNvPr id="9" name="Straight Arrow Connector 8"/>
+          <p:cNvCxnSpPr/>
+          <p:nvPr/>
+        </p:nvCxnSpPr>
+        <p:spPr>
+          <a:xfrm flipH="1" flipV="1">
+            <a:off x="8188036" y="4170375"/>
+            <a:ext cx="364111" cy="222168"/>
+          </a:xfrm>
+          <a:prstGeom prst="straightConnector1">
+            <a:avLst/>
+          </a:prstGeom>
+          <a:ln>
+            <a:tailEnd type="triangle"/>
+          </a:ln>
+        </p:spPr>
+        <p:style>
+          <a:lnRef idx="1">
+            <a:schemeClr val="accent1"/>
+          </a:lnRef>
+          <a:fillRef idx="0">
+            <a:schemeClr val="accent1"/>
+          </a:fillRef>
+          <a:effectRef idx="0">
+            <a:schemeClr val="accent1"/>
+          </a:effectRef>
+          <a:fontRef idx="minor">
+            <a:schemeClr val="tx1"/>
+          </a:fontRef>
+        </p:style>
+      </p:cxnSp>
+      <p:cxnSp>
+        <p:nvCxnSpPr>
+          <p:cNvPr id="11" name="Straight Arrow Connector 10"/>
+          <p:cNvCxnSpPr/>
+          <p:nvPr/>
+        </p:nvCxnSpPr>
+        <p:spPr>
+          <a:xfrm flipH="1" flipV="1">
+            <a:off x="8188036" y="3202646"/>
+            <a:ext cx="401776" cy="206042"/>
+          </a:xfrm>
+          <a:prstGeom prst="straightConnector1">
+            <a:avLst/>
+          </a:prstGeom>
+          <a:ln>
+            <a:tailEnd type="triangle"/>
+          </a:ln>
+        </p:spPr>
+        <p:style>
+          <a:lnRef idx="1">
+            <a:schemeClr val="accent1"/>
+          </a:lnRef>
+          <a:fillRef idx="0">
+            <a:schemeClr val="accent1"/>
+          </a:fillRef>
+          <a:effectRef idx="0">
+            <a:schemeClr val="accent1"/>
+          </a:effectRef>
+          <a:fontRef idx="minor">
+            <a:schemeClr val="tx1"/>
+          </a:fontRef>
+        </p:style>
+      </p:cxnSp>
+      <p:cxnSp>
+        <p:nvCxnSpPr>
+          <p:cNvPr id="10" name="Straight Arrow Connector 9"/>
+          <p:cNvCxnSpPr/>
+          <p:nvPr/>
+        </p:nvCxnSpPr>
+        <p:spPr>
+          <a:xfrm flipH="1" flipV="1">
+            <a:off x="10559143" y="5163349"/>
+            <a:ext cx="774864" cy="753097"/>
+          </a:xfrm>
+          <a:prstGeom prst="straightConnector1">
+            <a:avLst/>
+          </a:prstGeom>
+          <a:ln>
+            <a:tailEnd type="triangle"/>
+          </a:ln>
+        </p:spPr>
+        <p:style>
+          <a:lnRef idx="1">
+            <a:schemeClr val="accent1"/>
+          </a:lnRef>
+          <a:fillRef idx="0">
+            <a:schemeClr val="accent1"/>
+          </a:fillRef>
+          <a:effectRef idx="0">
+            <a:schemeClr val="accent1"/>
+          </a:effectRef>
+          <a:fontRef idx="minor">
+            <a:schemeClr val="tx1"/>
+          </a:fontRef>
+        </p:style>
+      </p:cxnSp>
     </p:spTree>
     <p:extLst>
       <p:ext uri="{BB962C8B-B14F-4D97-AF65-F5344CB8AC3E}">
-        <p14:creationId xmlns:p14="http://schemas.microsoft.com/office/powerpoint/2010/main" val="2700821104"/>
+        <p14:creationId xmlns:p14="http://schemas.microsoft.com/office/powerpoint/2010/main" val="1693509226"/>
       </p:ext>
     </p:extLst>
   </p:cSld>
@@ -3256,83 +3747,163 @@
         </p:nvSpPr>
         <p:spPr>
           <a:xfrm>
-            <a:off x="3185617" y="2604110"/>
-            <a:ext cx="5957249" cy="1325563"/>
+            <a:off x="1393371" y="2604110"/>
+            <a:ext cx="9514115" cy="1750176"/>
           </a:xfrm>
         </p:spPr>
         <p:txBody>
           <a:bodyPr>
-            <a:normAutofit fontScale="90000"/>
+            <a:noAutofit/>
           </a:bodyPr>
           <a:lstStyle/>
           <a:p>
             <a:r>
-              <a:rPr lang="en-NZ" sz="2400" i="1" dirty="0"/>
+              <a:rPr lang="en-NZ" sz="2800" i="1" dirty="0"/>
               <a:t>Hashimoto, D. (2019). Loanword phonology in </a:t>
             </a:r>
             <a:r>
-              <a:rPr lang="en-NZ" sz="2400" i="1" dirty="0" smtClean="0"/>
+              <a:rPr lang="en-NZ" sz="2800" i="1" dirty="0" smtClean="0"/>
               <a:t/>
             </a:r>
             <a:br>
-              <a:rPr lang="en-NZ" sz="2400" i="1" dirty="0" smtClean="0"/>
+              <a:rPr lang="en-NZ" sz="2800" i="1" dirty="0" smtClean="0"/>
             </a:br>
             <a:r>
-              <a:rPr lang="en-NZ" sz="2400" i="1" dirty="0" smtClean="0"/>
+              <a:rPr lang="en-NZ" sz="2800" i="1" dirty="0" smtClean="0"/>
               <a:t>New </a:t>
             </a:r>
             <a:r>
-              <a:rPr lang="en-NZ" sz="2400" i="1" dirty="0"/>
+              <a:rPr lang="en-NZ" sz="2800" i="1" dirty="0"/>
               <a:t>Zealand English: exemplar activation and message </a:t>
             </a:r>
             <a:r>
-              <a:rPr lang="en-NZ" sz="2400" i="1" dirty="0" smtClean="0"/>
+              <a:rPr lang="en-NZ" sz="2800" i="1" dirty="0" smtClean="0"/>
               <a:t>predictability. University of Canterbury </a:t>
             </a:r>
             <a:br>
-              <a:rPr lang="en-NZ" sz="2400" i="1" dirty="0" smtClean="0"/>
+              <a:rPr lang="en-NZ" sz="2800" i="1" dirty="0" smtClean="0"/>
             </a:br>
             <a:r>
-              <a:rPr lang="en-NZ" sz="2400" i="1" dirty="0" smtClean="0"/>
+              <a:rPr lang="en-NZ" sz="2800" i="1" dirty="0" smtClean="0"/>
               <a:t>PhD Thesis.</a:t>
             </a:r>
             <a:r>
-              <a:rPr lang="en-NZ" sz="2400" dirty="0" smtClean="0"/>
+              <a:rPr lang="en-NZ" sz="2800" dirty="0" smtClean="0"/>
               <a:t/>
             </a:r>
             <a:br>
-              <a:rPr lang="en-NZ" sz="2400" dirty="0" smtClean="0"/>
+              <a:rPr lang="en-NZ" sz="2800" dirty="0" smtClean="0"/>
             </a:br>
             <a:r>
-              <a:rPr lang="en-NZ" sz="2400" dirty="0"/>
+              <a:rPr lang="en-NZ" sz="2800" dirty="0"/>
               <a:t/>
             </a:r>
             <a:br>
-              <a:rPr lang="en-NZ" sz="2400" dirty="0"/>
+              <a:rPr lang="en-NZ" sz="2800" dirty="0"/>
             </a:br>
             <a:r>
-              <a:rPr lang="en-NZ" sz="2400" dirty="0" smtClean="0"/>
+              <a:rPr lang="en-NZ" sz="2800" dirty="0" smtClean="0"/>
               <a:t/>
             </a:r>
             <a:br>
-              <a:rPr lang="en-NZ" sz="2400" dirty="0" smtClean="0"/>
+              <a:rPr lang="en-NZ" sz="2800" dirty="0" smtClean="0"/>
             </a:br>
             <a:r>
-              <a:rPr lang="en-NZ" sz="2400" dirty="0" smtClean="0"/>
+              <a:rPr lang="en-NZ" sz="2800" dirty="0" smtClean="0"/>
               <a:t>Question:  </a:t>
             </a:r>
             <a:r>
-              <a:rPr lang="en-NZ" sz="2400" dirty="0" smtClean="0">
+              <a:rPr lang="en-NZ" sz="2800" dirty="0" smtClean="0">
                 <a:solidFill>
                   <a:schemeClr val="accent1">
                     <a:lumMod val="75000"/>
                   </a:schemeClr>
                 </a:solidFill>
               </a:rPr>
-              <a:t>How do people’s answers to these</a:t>
+              <a:t>How do people’s answers to </a:t>
+            </a:r>
+            <a:r>
+              <a:rPr lang="en-NZ" sz="2800" dirty="0" smtClean="0">
+                <a:solidFill>
+                  <a:schemeClr val="accent1">
+                    <a:lumMod val="75000"/>
+                  </a:schemeClr>
+                </a:solidFill>
+              </a:rPr>
+              <a:t>a set of </a:t>
+            </a:r>
+            <a:r>
+              <a:rPr lang="en-NZ" sz="2800" dirty="0">
+                <a:solidFill>
+                  <a:schemeClr val="accent1">
+                    <a:lumMod val="75000"/>
+                  </a:schemeClr>
+                </a:solidFill>
+              </a:rPr>
+              <a:t> </a:t>
+            </a:r>
+            <a:r>
+              <a:rPr lang="en-NZ" sz="2800" dirty="0" smtClean="0">
+                <a:solidFill>
+                  <a:schemeClr val="accent1">
+                    <a:lumMod val="75000"/>
+                  </a:schemeClr>
+                </a:solidFill>
+              </a:rPr>
+              <a:t>survey </a:t>
+            </a:r>
+            <a:r>
+              <a:rPr lang="en-NZ" sz="2800" dirty="0" smtClean="0">
+                <a:solidFill>
+                  <a:schemeClr val="accent1">
+                    <a:lumMod val="75000"/>
+                  </a:schemeClr>
+                </a:solidFill>
+              </a:rPr>
+              <a:t>questions affect whether they will </a:t>
+            </a:r>
+            <a:r>
+              <a:rPr lang="en-NZ" sz="2800" dirty="0" smtClean="0">
+                <a:solidFill>
+                  <a:schemeClr val="accent1">
+                    <a:lumMod val="75000"/>
+                  </a:schemeClr>
+                </a:solidFill>
+              </a:rPr>
+              <a:t>use</a:t>
+            </a:r>
+            <a:r>
+              <a:rPr lang="en-NZ" sz="2800" dirty="0">
+                <a:solidFill>
+                  <a:schemeClr val="accent1">
+                    <a:lumMod val="75000"/>
+                  </a:schemeClr>
+                </a:solidFill>
+              </a:rPr>
+              <a:t> </a:t>
+            </a:r>
+            <a:r>
+              <a:rPr lang="en-NZ" sz="2800" dirty="0" smtClean="0">
+                <a:solidFill>
+                  <a:schemeClr val="accent1">
+                    <a:lumMod val="75000"/>
+                  </a:schemeClr>
+                </a:solidFill>
+              </a:rPr>
+              <a:t>structure </a:t>
+            </a:r>
+            <a:r>
+              <a:rPr lang="en-NZ" sz="2800" dirty="0" smtClean="0">
+                <a:solidFill>
+                  <a:schemeClr val="accent1">
+                    <a:lumMod val="75000"/>
+                  </a:schemeClr>
+                </a:solidFill>
+              </a:rPr>
+              <a:t>from Māori in their </a:t>
             </a:r>
             <a:br>
-              <a:rPr lang="en-NZ" sz="2400" dirty="0" smtClean="0">
+              <a:rPr lang="en-NZ" sz="2800" dirty="0" smtClean="0">
                 <a:solidFill>
                   <a:schemeClr val="accent1">
                     <a:lumMod val="75000"/>
@@ -3341,97 +3912,150 @@
               </a:rPr>
             </a:br>
             <a:r>
-              <a:rPr lang="en-NZ" sz="2400" dirty="0" smtClean="0">
+              <a:rPr lang="en-NZ" sz="2800" dirty="0" smtClean="0">
                 <a:solidFill>
                   <a:schemeClr val="accent1">
                     <a:lumMod val="75000"/>
                   </a:schemeClr>
                 </a:solidFill>
               </a:rPr>
-              <a:t>survey questions affect whether they will use</a:t>
-            </a:r>
-            <a:br>
-              <a:rPr lang="en-NZ" sz="2400" dirty="0" smtClean="0">
+              <a:t>pronunciation of </a:t>
+            </a:r>
+            <a:r>
+              <a:rPr lang="en-NZ" sz="2800" dirty="0" smtClean="0">
                 <a:solidFill>
                   <a:schemeClr val="accent1">
                     <a:lumMod val="75000"/>
                   </a:schemeClr>
                 </a:solidFill>
               </a:rPr>
-            </a:br>
-            <a:r>
-              <a:rPr lang="en-NZ" sz="2400" dirty="0" smtClean="0">
+              <a:t>Māori loanwords</a:t>
+            </a:r>
+            <a:r>
+              <a:rPr lang="en-NZ" sz="2800" dirty="0" smtClean="0">
                 <a:solidFill>
                   <a:schemeClr val="accent1">
                     <a:lumMod val="75000"/>
                   </a:schemeClr>
                 </a:solidFill>
               </a:rPr>
-              <a:t>phonological structure from Māori in their </a:t>
+              <a:t>?</a:t>
+            </a:r>
+            <a:r>
+              <a:rPr lang="en-NZ" sz="2800" dirty="0" smtClean="0"/>
+              <a:t/>
             </a:r>
             <a:br>
-              <a:rPr lang="en-NZ" sz="2400" dirty="0" smtClean="0">
+              <a:rPr lang="en-NZ" sz="2800" dirty="0" smtClean="0"/>
+            </a:br>
+            <a:r>
+              <a:rPr lang="en-NZ" sz="2800" dirty="0"/>
+              <a:t/>
+            </a:r>
+            <a:br>
+              <a:rPr lang="en-NZ" sz="2800" dirty="0"/>
+            </a:br>
+            <a:r>
+              <a:rPr lang="en-NZ" sz="2800" dirty="0" smtClean="0"/>
+              <a:t>Problem:  </a:t>
+            </a:r>
+            <a:r>
+              <a:rPr lang="en-NZ" sz="2800" dirty="0" smtClean="0"/>
+              <a:t>The survey contains too </a:t>
+            </a:r>
+            <a:r>
+              <a:rPr lang="en-NZ" sz="2800" dirty="0" smtClean="0"/>
+              <a:t>many </a:t>
+            </a:r>
+            <a:r>
+              <a:rPr lang="en-NZ" sz="2800" dirty="0" smtClean="0"/>
+              <a:t>potential predictors </a:t>
+            </a:r>
+            <a:r>
+              <a:rPr lang="en-NZ" sz="2800" dirty="0" smtClean="0"/>
+              <a:t>for a regression model, and they’re probably all correlated.</a:t>
+            </a:r>
+            <a:br>
+              <a:rPr lang="en-NZ" sz="2800" dirty="0" smtClean="0"/>
+            </a:br>
+            <a:r>
+              <a:rPr lang="en-NZ" sz="2800" dirty="0"/>
+              <a:t/>
+            </a:r>
+            <a:br>
+              <a:rPr lang="en-NZ" sz="2800" dirty="0"/>
+            </a:br>
+            <a:r>
+              <a:rPr lang="en-NZ" sz="2800" dirty="0" smtClean="0"/>
+              <a:t>Solution:  PCA</a:t>
+            </a:r>
+            <a:endParaRPr lang="en-NZ" sz="2800" dirty="0"/>
+          </a:p>
+        </p:txBody>
+      </p:sp>
+      <p:sp>
+        <p:nvSpPr>
+          <p:cNvPr id="3" name="AutoShape 2" descr="Effect of Stress on the Realization of Plosives in New Zealand English -  Linguistic Society of New Zealand"/>
+          <p:cNvSpPr>
+            <a:spLocks noChangeAspect="1" noChangeArrowheads="1"/>
+          </p:cNvSpPr>
+          <p:nvPr/>
+        </p:nvSpPr>
+        <p:spPr bwMode="auto">
+          <a:xfrm>
+            <a:off x="155575" y="-144463"/>
+            <a:ext cx="304800" cy="304801"/>
+          </a:xfrm>
+          <a:prstGeom prst="rect">
+            <a:avLst/>
+          </a:prstGeom>
+          <a:noFill/>
+          <a:extLst>
+            <a:ext uri="{909E8E84-426E-40DD-AFC4-6F175D3DCCD1}">
+              <a14:hiddenFill xmlns:a14="http://schemas.microsoft.com/office/drawing/2010/main">
                 <a:solidFill>
-                  <a:schemeClr val="accent1">
-                    <a:lumMod val="75000"/>
-                  </a:schemeClr>
+                  <a:srgbClr val="FFFFFF"/>
                 </a:solidFill>
-              </a:rPr>
-            </a:br>
-            <a:r>
-              <a:rPr lang="en-NZ" sz="2400" dirty="0" smtClean="0">
-                <a:solidFill>
-                  <a:schemeClr val="accent1">
-                    <a:lumMod val="75000"/>
-                  </a:schemeClr>
-                </a:solidFill>
-              </a:rPr>
-              <a:t>pronunciation of loanwords?</a:t>
-            </a:r>
-            <a:r>
-              <a:rPr lang="en-NZ" sz="2400" dirty="0" smtClean="0"/>
-              <a:t/>
-            </a:r>
-            <a:br>
-              <a:rPr lang="en-NZ" sz="2400" dirty="0" smtClean="0"/>
-            </a:br>
-            <a:r>
-              <a:rPr lang="en-NZ" sz="2400" dirty="0"/>
-              <a:t/>
-            </a:r>
-            <a:br>
-              <a:rPr lang="en-NZ" sz="2400" dirty="0"/>
-            </a:br>
-            <a:r>
-              <a:rPr lang="en-NZ" sz="2400" dirty="0" smtClean="0"/>
-              <a:t>Problem:  </a:t>
-            </a:r>
-            <a:r>
-              <a:rPr lang="en-NZ" sz="2400" dirty="0" smtClean="0"/>
-              <a:t>The survey contains too </a:t>
-            </a:r>
-            <a:r>
-              <a:rPr lang="en-NZ" sz="2400" dirty="0" smtClean="0"/>
-              <a:t>many predictors for a regression model, and they’re probably all correlated.</a:t>
-            </a:r>
-            <a:br>
-              <a:rPr lang="en-NZ" sz="2400" dirty="0" smtClean="0"/>
-            </a:br>
-            <a:r>
-              <a:rPr lang="en-NZ" sz="2400" dirty="0"/>
-              <a:t/>
-            </a:r>
-            <a:br>
-              <a:rPr lang="en-NZ" sz="2400" dirty="0"/>
-            </a:br>
-            <a:r>
-              <a:rPr lang="en-NZ" sz="2400" dirty="0" smtClean="0"/>
-              <a:t>Solution:  PCA</a:t>
-            </a:r>
-            <a:endParaRPr lang="en-NZ" sz="2400" dirty="0"/>
-          </a:p>
-        </p:txBody>
-      </p:sp>
+              </a14:hiddenFill>
+            </a:ext>
+          </a:extLst>
+        </p:spPr>
+        <p:txBody>
+          <a:bodyPr vert="horz" wrap="square" lIns="91440" tIns="45720" rIns="91440" bIns="45720" numCol="1" anchor="t" anchorCtr="0" compatLnSpc="1">
+            <a:prstTxWarp prst="textNoShape">
+              <a:avLst/>
+            </a:prstTxWarp>
+          </a:bodyPr>
+          <a:lstStyle/>
+          <a:p>
+            <a:endParaRPr lang="en-NZ"/>
+          </a:p>
+        </p:txBody>
+      </p:sp>
+      <p:pic>
+        <p:nvPicPr>
+          <p:cNvPr id="5" name="Picture 4"/>
+          <p:cNvPicPr>
+            <a:picLocks noChangeAspect="1"/>
+          </p:cNvPicPr>
+          <p:nvPr/>
+        </p:nvPicPr>
+        <p:blipFill>
+          <a:blip r:embed="rId2"/>
+          <a:stretch>
+            <a:fillRect/>
+          </a:stretch>
+        </p:blipFill>
+        <p:spPr>
+          <a:xfrm>
+            <a:off x="10048875" y="7937"/>
+            <a:ext cx="2143125" cy="2143125"/>
+          </a:xfrm>
+          <a:prstGeom prst="rect">
+            <a:avLst/>
+          </a:prstGeom>
+        </p:spPr>
+      </p:pic>
     </p:spTree>
     <p:extLst>
       <p:ext uri="{BB962C8B-B14F-4D97-AF65-F5344CB8AC3E}">
@@ -3906,8 +4530,12 @@
           <a:lstStyle/>
           <a:p>
             <a:r>
+              <a:rPr lang="en-NZ" i="1" dirty="0" smtClean="0"/>
+              <a:t>Based</a:t>
+            </a:r>
+            <a:r>
               <a:rPr lang="en-NZ" dirty="0" smtClean="0"/>
-              <a:t>Based on Hashimoto’s data (not identical).</a:t>
+              <a:t> on Hashimoto’s data (not identical).</a:t>
             </a:r>
           </a:p>
           <a:p>
@@ -4430,76 +5058,332 @@
           <a:bodyPr/>
           <a:lstStyle/>
           <a:p>
-            <a:r>
-              <a:rPr lang="en-NZ" dirty="0" smtClean="0"/>
-              <a:t>Agenda for today</a:t>
-            </a:r>
+            <a:endParaRPr lang="en-NZ"/>
+          </a:p>
+        </p:txBody>
+      </p:sp>
+      <p:pic>
+        <p:nvPicPr>
+          <p:cNvPr id="11266" name="Picture 2" descr="Joshua Wilson Black"/>
+          <p:cNvPicPr>
+            <a:picLocks noGrp="1" noChangeAspect="1" noChangeArrowheads="1"/>
+          </p:cNvPicPr>
+          <p:nvPr>
+            <p:ph idx="1"/>
+          </p:nvPr>
+        </p:nvPicPr>
+        <p:blipFill rotWithShape="1">
+          <a:blip r:embed="rId2">
+            <a:extLst>
+              <a:ext uri="{28A0092B-C50C-407E-A947-70E740481C1C}">
+                <a14:useLocalDpi xmlns:a14="http://schemas.microsoft.com/office/drawing/2010/main" val="0"/>
+              </a:ext>
+            </a:extLst>
+          </a:blip>
+          <a:srcRect r="-50421" b="-50421"/>
+          <a:stretch/>
+        </p:blipFill>
+        <p:spPr bwMode="auto">
+          <a:xfrm>
+            <a:off x="5778737" y="364946"/>
+            <a:ext cx="3637189" cy="3637189"/>
+          </a:xfrm>
+          <a:prstGeom prst="rect">
+            <a:avLst/>
+          </a:prstGeom>
+          <a:noFill/>
+          <a:extLst>
+            <a:ext uri="{909E8E84-426E-40DD-AFC4-6F175D3DCCD1}">
+              <a14:hiddenFill xmlns:a14="http://schemas.microsoft.com/office/drawing/2010/main">
+                <a:solidFill>
+                  <a:srgbClr val="FFFFFF"/>
+                </a:solidFill>
+              </a14:hiddenFill>
+            </a:ext>
+          </a:extLst>
+        </p:spPr>
+      </p:pic>
+      <p:pic>
+        <p:nvPicPr>
+          <p:cNvPr id="4" name="Picture 3"/>
+          <p:cNvPicPr>
+            <a:picLocks noChangeAspect="1"/>
+          </p:cNvPicPr>
+          <p:nvPr/>
+        </p:nvPicPr>
+        <p:blipFill>
+          <a:blip r:embed="rId3"/>
+          <a:stretch>
+            <a:fillRect/>
+          </a:stretch>
+        </p:blipFill>
+        <p:spPr>
+          <a:xfrm>
+            <a:off x="108857" y="365125"/>
+            <a:ext cx="1905000" cy="2400300"/>
+          </a:xfrm>
+          <a:prstGeom prst="rect">
+            <a:avLst/>
+          </a:prstGeom>
+        </p:spPr>
+      </p:pic>
+      <p:sp>
+        <p:nvSpPr>
+          <p:cNvPr id="5" name="Rectangle 4"/>
+          <p:cNvSpPr/>
+          <p:nvPr/>
+        </p:nvSpPr>
+        <p:spPr>
+          <a:xfrm>
+            <a:off x="8495618" y="173010"/>
+            <a:ext cx="3041662" cy="3323987"/>
+          </a:xfrm>
+          <a:prstGeom prst="rect">
+            <a:avLst/>
+          </a:prstGeom>
+        </p:spPr>
+        <p:txBody>
+          <a:bodyPr wrap="square">
+            <a:spAutoFit/>
+          </a:bodyPr>
+          <a:lstStyle/>
+          <a:p>
             <a:endParaRPr lang="en-NZ" dirty="0"/>
           </a:p>
-        </p:txBody>
-      </p:sp>
-      <p:sp>
-        <p:nvSpPr>
-          <p:cNvPr id="3" name="Content Placeholder 2"/>
-          <p:cNvSpPr>
-            <a:spLocks noGrp="1"/>
-          </p:cNvSpPr>
-          <p:nvPr>
-            <p:ph idx="1"/>
-          </p:nvPr>
-        </p:nvSpPr>
-        <p:spPr/>
-        <p:txBody>
-          <a:bodyPr/>
-          <a:lstStyle/>
-          <a:p>
-            <a:r>
-              <a:rPr lang="en-NZ" dirty="0" smtClean="0"/>
-              <a:t>Intuitive overview</a:t>
-            </a:r>
-          </a:p>
-          <a:p>
-            <a:endParaRPr lang="en-NZ" dirty="0"/>
-          </a:p>
-          <a:p>
-            <a:r>
-              <a:rPr lang="en-NZ" dirty="0" err="1" smtClean="0"/>
-              <a:t>Walkthough</a:t>
-            </a:r>
-            <a:r>
-              <a:rPr lang="en-NZ" dirty="0" smtClean="0"/>
-              <a:t> of two examples</a:t>
-            </a:r>
-          </a:p>
-          <a:p>
-            <a:endParaRPr lang="en-NZ" dirty="0"/>
-          </a:p>
-          <a:p>
-            <a:r>
-              <a:rPr lang="en-NZ" dirty="0" err="1" smtClean="0"/>
-              <a:t>Rmarkdown</a:t>
-            </a:r>
-            <a:r>
-              <a:rPr lang="en-NZ" dirty="0" smtClean="0"/>
-              <a:t> with one worked example</a:t>
-            </a:r>
-          </a:p>
-          <a:p>
-            <a:endParaRPr lang="en-NZ" dirty="0"/>
-          </a:p>
-          <a:p>
-            <a:r>
-              <a:rPr lang="en-NZ" dirty="0" smtClean="0"/>
-              <a:t>Letting you loose on trying to recreate the second!</a:t>
-            </a:r>
-            <a:endParaRPr lang="en-NZ" dirty="0"/>
+          <a:p>
+            <a:r>
+              <a:rPr lang="en-NZ" sz="2400" dirty="0">
+                <a:solidFill>
+                  <a:srgbClr val="FF0000"/>
+                </a:solidFill>
+              </a:rPr>
+              <a:t>Joshua Wilson Black</a:t>
+            </a:r>
+            <a:r>
+              <a:rPr lang="en-NZ" sz="2400" dirty="0"/>
+              <a:t>, James Brand, Jen Hay and Lynn Clark. (in press</a:t>
+            </a:r>
+            <a:r>
+              <a:rPr lang="en-NZ" sz="2400" dirty="0" smtClean="0"/>
+              <a:t>) </a:t>
+            </a:r>
+            <a:r>
+              <a:rPr lang="en-NZ" sz="2400" dirty="0"/>
+              <a:t>Using Principal Component Analysis </a:t>
+            </a:r>
+            <a:r>
+              <a:rPr lang="en-NZ" sz="2400" dirty="0" smtClean="0"/>
+              <a:t>to explore </a:t>
+            </a:r>
+            <a:r>
+              <a:rPr lang="en-NZ" sz="2400" dirty="0"/>
+              <a:t>co-variation of </a:t>
+            </a:r>
+            <a:r>
+              <a:rPr lang="en-NZ" sz="2400" dirty="0" smtClean="0"/>
+              <a:t>vowels.  </a:t>
+            </a:r>
+            <a:r>
+              <a:rPr lang="en-NZ" sz="2400" i="1" dirty="0" smtClean="0"/>
+              <a:t>Language </a:t>
+            </a:r>
+            <a:r>
+              <a:rPr lang="en-NZ" sz="2400" i="1" dirty="0"/>
+              <a:t>and Linguistics Compass</a:t>
+            </a:r>
+          </a:p>
+        </p:txBody>
+      </p:sp>
+      <p:sp>
+        <p:nvSpPr>
+          <p:cNvPr id="6" name="Rectangle 5"/>
+          <p:cNvSpPr/>
+          <p:nvPr/>
+        </p:nvSpPr>
+        <p:spPr>
+          <a:xfrm>
+            <a:off x="2115013" y="278648"/>
+            <a:ext cx="3663724" cy="3416320"/>
+          </a:xfrm>
+          <a:prstGeom prst="rect">
+            <a:avLst/>
+          </a:prstGeom>
+        </p:spPr>
+        <p:txBody>
+          <a:bodyPr wrap="square">
+            <a:spAutoFit/>
+          </a:bodyPr>
+          <a:lstStyle/>
+          <a:p>
+            <a:r>
+              <a:rPr lang="en-NZ" sz="2400" dirty="0">
+                <a:solidFill>
+                  <a:srgbClr val="FF0000"/>
+                </a:solidFill>
+              </a:rPr>
+              <a:t>James Brand</a:t>
+            </a:r>
+            <a:r>
+              <a:rPr lang="en-NZ" sz="2400" dirty="0"/>
+              <a:t>, Jen Hay, Lynn Clark, Kevin Watson, </a:t>
+            </a:r>
+            <a:r>
+              <a:rPr lang="en-NZ" sz="2400" dirty="0" err="1"/>
+              <a:t>Márton</a:t>
+            </a:r>
+            <a:r>
+              <a:rPr lang="en-NZ" sz="2400" dirty="0"/>
+              <a:t> </a:t>
+            </a:r>
+            <a:r>
+              <a:rPr lang="en-NZ" sz="2400" dirty="0" err="1" smtClean="0"/>
+              <a:t>Sóskuthy</a:t>
+            </a:r>
+            <a:r>
+              <a:rPr lang="en-NZ" sz="2400" dirty="0" smtClean="0"/>
+              <a:t> (2021) Systematic </a:t>
+            </a:r>
+            <a:r>
+              <a:rPr lang="en-NZ" sz="2400" dirty="0"/>
+              <a:t>co-variation of monophthongs across speakers of New Zealand </a:t>
+            </a:r>
+            <a:r>
+              <a:rPr lang="en-NZ" sz="2400" dirty="0" smtClean="0"/>
+              <a:t>English, </a:t>
+            </a:r>
+            <a:r>
+              <a:rPr lang="en-NZ" sz="2400" i="1" dirty="0" smtClean="0"/>
+              <a:t>Journal </a:t>
+            </a:r>
+            <a:r>
+              <a:rPr lang="en-NZ" sz="2400" i="1" dirty="0"/>
+              <a:t>of </a:t>
+            </a:r>
+            <a:r>
+              <a:rPr lang="en-NZ" sz="2400" i="1" dirty="0" smtClean="0"/>
+              <a:t>Phonetics</a:t>
+            </a:r>
+            <a:r>
+              <a:rPr lang="en-NZ" sz="2400" dirty="0" smtClean="0"/>
+              <a:t>, Volume 88, 2021.</a:t>
+            </a:r>
+            <a:endParaRPr lang="en-NZ" sz="2400" dirty="0"/>
+          </a:p>
+        </p:txBody>
+      </p:sp>
+      <p:sp>
+        <p:nvSpPr>
+          <p:cNvPr id="8" name="TextBox 7"/>
+          <p:cNvSpPr txBox="1"/>
+          <p:nvPr/>
+        </p:nvSpPr>
+        <p:spPr>
+          <a:xfrm>
+            <a:off x="2823945" y="3811012"/>
+            <a:ext cx="9546771" cy="3046988"/>
+          </a:xfrm>
+          <a:prstGeom prst="rect">
+            <a:avLst/>
+          </a:prstGeom>
+          <a:noFill/>
+        </p:spPr>
+        <p:txBody>
+          <a:bodyPr wrap="square" rtlCol="0">
+            <a:spAutoFit/>
+          </a:bodyPr>
+          <a:lstStyle/>
+          <a:p>
+            <a:r>
+              <a:rPr lang="en-NZ" sz="3200" dirty="0" smtClean="0">
+                <a:solidFill>
+                  <a:srgbClr val="FF0000"/>
+                </a:solidFill>
+              </a:rPr>
+              <a:t>ME:  </a:t>
+            </a:r>
+          </a:p>
+          <a:p>
+            <a:pPr marL="457200" indent="-457200">
+              <a:buFontTx/>
+              <a:buChar char="-"/>
+            </a:pPr>
+            <a:r>
+              <a:rPr lang="en-NZ" sz="3200" dirty="0" smtClean="0">
+                <a:solidFill>
+                  <a:srgbClr val="FF0000"/>
+                </a:solidFill>
+              </a:rPr>
+              <a:t>Collaborator on the above papers.</a:t>
+            </a:r>
+          </a:p>
+          <a:p>
+            <a:pPr marL="457200" indent="-457200">
+              <a:buFontTx/>
+              <a:buChar char="-"/>
+            </a:pPr>
+            <a:r>
+              <a:rPr lang="en-NZ" sz="3200" dirty="0" smtClean="0">
+                <a:solidFill>
+                  <a:srgbClr val="FF0000"/>
+                </a:solidFill>
+              </a:rPr>
+              <a:t>A user of PCA for various projects.  </a:t>
+            </a:r>
+            <a:br>
+              <a:rPr lang="en-NZ" sz="3200" dirty="0" smtClean="0">
+                <a:solidFill>
+                  <a:srgbClr val="FF0000"/>
+                </a:solidFill>
+              </a:rPr>
+            </a:br>
+            <a:r>
+              <a:rPr lang="en-NZ" sz="3200" dirty="0" smtClean="0">
+                <a:solidFill>
+                  <a:srgbClr val="FF0000"/>
+                </a:solidFill>
+              </a:rPr>
+              <a:t>Not:</a:t>
+            </a:r>
+          </a:p>
+          <a:p>
+            <a:pPr marL="285750" indent="-285750">
+              <a:buFontTx/>
+              <a:buChar char="-"/>
+            </a:pPr>
+            <a:r>
+              <a:rPr lang="en-NZ" sz="3200" dirty="0" smtClean="0">
+                <a:solidFill>
+                  <a:srgbClr val="FF0000"/>
+                </a:solidFill>
+              </a:rPr>
+              <a:t>An expert in the statistical underpinnings</a:t>
+            </a:r>
+          </a:p>
+          <a:p>
+            <a:pPr marL="285750" indent="-285750">
+              <a:buFontTx/>
+              <a:buChar char="-"/>
+            </a:pPr>
+            <a:r>
+              <a:rPr lang="en-NZ" sz="3200" dirty="0" smtClean="0">
+                <a:solidFill>
+                  <a:srgbClr val="FF0000"/>
+                </a:solidFill>
+              </a:rPr>
+              <a:t>An expert in R</a:t>
+            </a:r>
+            <a:endParaRPr lang="en-NZ" sz="3200" dirty="0">
+              <a:solidFill>
+                <a:srgbClr val="FF0000"/>
+              </a:solidFill>
+            </a:endParaRPr>
           </a:p>
         </p:txBody>
       </p:sp>
     </p:spTree>
     <p:extLst>
       <p:ext uri="{BB962C8B-B14F-4D97-AF65-F5344CB8AC3E}">
-        <p14:creationId xmlns:p14="http://schemas.microsoft.com/office/powerpoint/2010/main" val="1290752608"/>
+        <p14:creationId xmlns:p14="http://schemas.microsoft.com/office/powerpoint/2010/main" val="3869074536"/>
       </p:ext>
     </p:extLst>
   </p:cSld>
@@ -5007,8 +5891,8 @@
         </p:nvSpPr>
         <p:spPr>
           <a:xfrm>
-            <a:off x="7916778" y="5719517"/>
-            <a:ext cx="4411785" cy="923330"/>
+            <a:off x="7895006" y="4826965"/>
+            <a:ext cx="4114909" cy="1815882"/>
           </a:xfrm>
           <a:prstGeom prst="rect">
             <a:avLst/>
@@ -5022,7 +5906,7 @@
           <a:lstStyle/>
           <a:p>
             <a:r>
-              <a:rPr lang="en-NZ" dirty="0" smtClean="0">
+              <a:rPr lang="en-NZ" sz="2800" dirty="0" smtClean="0">
                 <a:solidFill>
                   <a:srgbClr val="FF0000"/>
                 </a:solidFill>
@@ -5032,7 +5916,7 @@
           </a:p>
           <a:p>
             <a:r>
-              <a:rPr lang="en-NZ" dirty="0">
+              <a:rPr lang="en-NZ" sz="2800" dirty="0">
                 <a:solidFill>
                   <a:srgbClr val="FF0000"/>
                 </a:solidFill>
@@ -5040,17 +5924,27 @@
               <a:t>i</a:t>
             </a:r>
             <a:r>
-              <a:rPr lang="en-NZ" dirty="0" smtClean="0">
+              <a:rPr lang="en-NZ" sz="2800" dirty="0" smtClean="0">
                 <a:solidFill>
                   <a:srgbClr val="FF0000"/>
                 </a:solidFill>
               </a:rPr>
-              <a:t>nclude a filtering step on your interpretation</a:t>
-            </a:r>
-          </a:p>
-          <a:p>
-            <a:r>
-              <a:rPr lang="en-NZ" dirty="0">
+              <a:t>nclude a filtering step on </a:t>
+            </a:r>
+          </a:p>
+          <a:p>
+            <a:r>
+              <a:rPr lang="en-NZ" sz="2800" dirty="0" smtClean="0">
+                <a:solidFill>
+                  <a:srgbClr val="FF0000"/>
+                </a:solidFill>
+              </a:rPr>
+              <a:t>your interpretation</a:t>
+            </a:r>
+          </a:p>
+          <a:p>
+            <a:r>
+              <a:rPr lang="en-NZ" sz="2800" dirty="0">
                 <a:solidFill>
                   <a:srgbClr val="FF0000"/>
                 </a:solidFill>
@@ -5058,14 +5952,14 @@
               <a:t>p</a:t>
             </a:r>
             <a:r>
-              <a:rPr lang="en-NZ" dirty="0" smtClean="0">
+              <a:rPr lang="en-NZ" sz="2800" dirty="0" smtClean="0">
                 <a:solidFill>
                   <a:srgbClr val="FF0000"/>
                 </a:solidFill>
               </a:rPr>
               <a:t>lot. </a:t>
             </a:r>
-            <a:endParaRPr lang="en-NZ" dirty="0">
+            <a:endParaRPr lang="en-NZ" sz="2800" dirty="0">
               <a:solidFill>
                 <a:srgbClr val="FF0000"/>
               </a:solidFill>
@@ -5595,7 +6489,12 @@
             <p:ph idx="1"/>
           </p:nvPr>
         </p:nvSpPr>
-        <p:spPr/>
+        <p:spPr>
+          <a:xfrm>
+            <a:off x="595085" y="1630136"/>
+            <a:ext cx="10515600" cy="4351338"/>
+          </a:xfrm>
+        </p:spPr>
         <p:txBody>
           <a:bodyPr/>
           <a:lstStyle/>
@@ -5640,12 +6539,238 @@
               <a:rPr lang="en-NZ" dirty="0"/>
               <a:t>, then investigate whether prefix status affects  pronunciation)   </a:t>
             </a:r>
-          </a:p>
-          <a:p>
+            <a:endParaRPr lang="en-NZ" dirty="0" smtClean="0"/>
+          </a:p>
+          <a:p>
+            <a:pPr marL="0" indent="0">
+              <a:buNone/>
+            </a:pPr>
             <a:endParaRPr lang="en-NZ" dirty="0"/>
           </a:p>
-        </p:txBody>
-      </p:sp>
+          <a:p>
+            <a:pPr marL="0" indent="0">
+              <a:buNone/>
+            </a:pPr>
+            <a:r>
+              <a:rPr lang="en-NZ" dirty="0" smtClean="0"/>
+              <a:t>Data from manuscript in progress.  Collaborators:</a:t>
+            </a:r>
+          </a:p>
+          <a:p>
+            <a:pPr marL="0" indent="0">
+              <a:buNone/>
+            </a:pPr>
+            <a:endParaRPr lang="en-NZ" dirty="0"/>
+          </a:p>
+          <a:p>
+            <a:pPr marL="0" indent="0">
+              <a:buNone/>
+            </a:pPr>
+            <a:r>
+              <a:rPr lang="en-NZ" i="1" dirty="0" smtClean="0"/>
+              <a:t>Sarah Hawkins, Jane Stuart-Smith, Rachel Smith, Robert Fromont.</a:t>
+            </a:r>
+            <a:endParaRPr lang="en-NZ" i="1" dirty="0"/>
+          </a:p>
+          <a:p>
+            <a:pPr marL="0" indent="0">
+              <a:buNone/>
+            </a:pPr>
+            <a:endParaRPr lang="en-NZ" dirty="0"/>
+          </a:p>
+        </p:txBody>
+      </p:sp>
+      <p:pic>
+        <p:nvPicPr>
+          <p:cNvPr id="13314" name="Picture 2" descr="Image result for sarah hawkins photo phonetics"/>
+          <p:cNvPicPr>
+            <a:picLocks noChangeAspect="1" noChangeArrowheads="1"/>
+          </p:cNvPicPr>
+          <p:nvPr/>
+        </p:nvPicPr>
+        <p:blipFill>
+          <a:blip r:embed="rId2">
+            <a:extLst>
+              <a:ext uri="{28A0092B-C50C-407E-A947-70E740481C1C}">
+                <a14:useLocalDpi xmlns:a14="http://schemas.microsoft.com/office/drawing/2010/main" val="0"/>
+              </a:ext>
+            </a:extLst>
+          </a:blip>
+          <a:srcRect/>
+          <a:stretch>
+            <a:fillRect/>
+          </a:stretch>
+        </p:blipFill>
+        <p:spPr bwMode="auto">
+          <a:xfrm>
+            <a:off x="985155" y="5013551"/>
+            <a:ext cx="1844450" cy="1844450"/>
+          </a:xfrm>
+          <a:prstGeom prst="rect">
+            <a:avLst/>
+          </a:prstGeom>
+          <a:noFill/>
+          <a:extLst>
+            <a:ext uri="{909E8E84-426E-40DD-AFC4-6F175D3DCCD1}">
+              <a14:hiddenFill xmlns:a14="http://schemas.microsoft.com/office/drawing/2010/main">
+                <a:solidFill>
+                  <a:srgbClr val="FFFFFF"/>
+                </a:solidFill>
+              </a14:hiddenFill>
+            </a:ext>
+          </a:extLst>
+        </p:spPr>
+      </p:pic>
+      <p:sp>
+        <p:nvSpPr>
+          <p:cNvPr id="4" name="AutoShape 4" descr="robert fromont from www.canterbury.ac.nz"/>
+          <p:cNvSpPr>
+            <a:spLocks noChangeAspect="1" noChangeArrowheads="1"/>
+          </p:cNvSpPr>
+          <p:nvPr/>
+        </p:nvSpPr>
+        <p:spPr bwMode="auto">
+          <a:xfrm>
+            <a:off x="155575" y="-144463"/>
+            <a:ext cx="304800" cy="304801"/>
+          </a:xfrm>
+          <a:prstGeom prst="rect">
+            <a:avLst/>
+          </a:prstGeom>
+          <a:noFill/>
+          <a:extLst>
+            <a:ext uri="{909E8E84-426E-40DD-AFC4-6F175D3DCCD1}">
+              <a14:hiddenFill xmlns:a14="http://schemas.microsoft.com/office/drawing/2010/main">
+                <a:solidFill>
+                  <a:srgbClr val="FFFFFF"/>
+                </a:solidFill>
+              </a14:hiddenFill>
+            </a:ext>
+          </a:extLst>
+        </p:spPr>
+        <p:txBody>
+          <a:bodyPr vert="horz" wrap="square" lIns="91440" tIns="45720" rIns="91440" bIns="45720" numCol="1" anchor="t" anchorCtr="0" compatLnSpc="1">
+            <a:prstTxWarp prst="textNoShape">
+              <a:avLst/>
+            </a:prstTxWarp>
+          </a:bodyPr>
+          <a:lstStyle/>
+          <a:p>
+            <a:endParaRPr lang="en-NZ"/>
+          </a:p>
+        </p:txBody>
+      </p:sp>
+      <p:pic>
+        <p:nvPicPr>
+          <p:cNvPr id="5" name="Picture 4"/>
+          <p:cNvPicPr>
+            <a:picLocks noChangeAspect="1"/>
+          </p:cNvPicPr>
+          <p:nvPr/>
+        </p:nvPicPr>
+        <p:blipFill>
+          <a:blip r:embed="rId3"/>
+          <a:stretch>
+            <a:fillRect/>
+          </a:stretch>
+        </p:blipFill>
+        <p:spPr>
+          <a:xfrm>
+            <a:off x="8325529" y="5013551"/>
+            <a:ext cx="1907042" cy="1907042"/>
+          </a:xfrm>
+          <a:prstGeom prst="rect">
+            <a:avLst/>
+          </a:prstGeom>
+        </p:spPr>
+      </p:pic>
+      <p:pic>
+        <p:nvPicPr>
+          <p:cNvPr id="6" name="Picture 5"/>
+          <p:cNvPicPr>
+            <a:picLocks noChangeAspect="1"/>
+          </p:cNvPicPr>
+          <p:nvPr/>
+        </p:nvPicPr>
+        <p:blipFill>
+          <a:blip r:embed="rId4"/>
+          <a:stretch>
+            <a:fillRect/>
+          </a:stretch>
+        </p:blipFill>
+        <p:spPr>
+          <a:xfrm>
+            <a:off x="3374570" y="4911273"/>
+            <a:ext cx="1946728" cy="1946728"/>
+          </a:xfrm>
+          <a:prstGeom prst="rect">
+            <a:avLst/>
+          </a:prstGeom>
+        </p:spPr>
+      </p:pic>
+      <p:sp>
+        <p:nvSpPr>
+          <p:cNvPr id="7" name="AutoShape 6" descr="Rachel SMITH | Senior Lecturer | PhD | University of Glasgow, Glasgow |  UofG | School of Critical Studies"/>
+          <p:cNvSpPr>
+            <a:spLocks noChangeAspect="1" noChangeArrowheads="1"/>
+          </p:cNvSpPr>
+          <p:nvPr/>
+        </p:nvSpPr>
+        <p:spPr bwMode="auto">
+          <a:xfrm>
+            <a:off x="307975" y="7937"/>
+            <a:ext cx="304800" cy="304801"/>
+          </a:xfrm>
+          <a:prstGeom prst="rect">
+            <a:avLst/>
+          </a:prstGeom>
+          <a:noFill/>
+          <a:extLst>
+            <a:ext uri="{909E8E84-426E-40DD-AFC4-6F175D3DCCD1}">
+              <a14:hiddenFill xmlns:a14="http://schemas.microsoft.com/office/drawing/2010/main">
+                <a:solidFill>
+                  <a:srgbClr val="FFFFFF"/>
+                </a:solidFill>
+              </a14:hiddenFill>
+            </a:ext>
+          </a:extLst>
+        </p:spPr>
+        <p:txBody>
+          <a:bodyPr vert="horz" wrap="square" lIns="91440" tIns="45720" rIns="91440" bIns="45720" numCol="1" anchor="t" anchorCtr="0" compatLnSpc="1">
+            <a:prstTxWarp prst="textNoShape">
+              <a:avLst/>
+            </a:prstTxWarp>
+          </a:bodyPr>
+          <a:lstStyle/>
+          <a:p>
+            <a:endParaRPr lang="en-NZ"/>
+          </a:p>
+        </p:txBody>
+      </p:sp>
+      <p:pic>
+        <p:nvPicPr>
+          <p:cNvPr id="8" name="Picture 7"/>
+          <p:cNvPicPr>
+            <a:picLocks noChangeAspect="1"/>
+          </p:cNvPicPr>
+          <p:nvPr/>
+        </p:nvPicPr>
+        <p:blipFill>
+          <a:blip r:embed="rId5"/>
+          <a:stretch>
+            <a:fillRect/>
+          </a:stretch>
+        </p:blipFill>
+        <p:spPr>
+          <a:xfrm>
+            <a:off x="5852885" y="4971936"/>
+            <a:ext cx="1927679" cy="1927679"/>
+          </a:xfrm>
+          <a:prstGeom prst="rect">
+            <a:avLst/>
+          </a:prstGeom>
+        </p:spPr>
+      </p:pic>
     </p:spTree>
     <p:extLst>
       <p:ext uri="{BB962C8B-B14F-4D97-AF65-F5344CB8AC3E}">
@@ -7158,7 +8283,7 @@
           <a:p>
             <a:r>
               <a:rPr lang="en-NZ" dirty="0" smtClean="0"/>
-              <a:t>Intuitive overview of PCA</a:t>
+              <a:t>Agenda for today</a:t>
             </a:r>
             <a:endParaRPr lang="en-NZ" dirty="0"/>
           </a:p>
@@ -7174,140 +8299,58 @@
             <p:ph idx="1"/>
           </p:nvPr>
         </p:nvSpPr>
-        <p:spPr>
-          <a:xfrm>
-            <a:off x="468086" y="0"/>
-            <a:ext cx="10515600" cy="4351338"/>
-          </a:xfrm>
-        </p:spPr>
+        <p:spPr/>
         <p:txBody>
           <a:bodyPr/>
           <a:lstStyle/>
           <a:p>
-            <a:endParaRPr lang="en-NZ" dirty="0" smtClean="0"/>
+            <a:r>
+              <a:rPr lang="en-NZ" dirty="0" smtClean="0"/>
+              <a:t>Intuitive overview</a:t>
+            </a:r>
           </a:p>
           <a:p>
             <a:endParaRPr lang="en-NZ" dirty="0"/>
           </a:p>
           <a:p>
-            <a:endParaRPr lang="en-NZ" dirty="0" smtClean="0"/>
-          </a:p>
-          <a:p>
+            <a:r>
+              <a:rPr lang="en-NZ" dirty="0" err="1" smtClean="0"/>
+              <a:t>Walkthough</a:t>
+            </a:r>
             <a:r>
               <a:rPr lang="en-NZ" dirty="0" smtClean="0"/>
-              <a:t>Example</a:t>
+              <a:t> of two simple examples</a:t>
+            </a:r>
+          </a:p>
+          <a:p>
+            <a:endParaRPr lang="en-NZ" dirty="0"/>
+          </a:p>
+          <a:p>
+            <a:r>
+              <a:rPr lang="en-NZ" dirty="0" err="1" smtClean="0"/>
+              <a:t>Rmarkdown</a:t>
             </a:r>
             <a:r>
               <a:rPr lang="en-NZ" dirty="0" smtClean="0"/>
-              <a:t> toy data</a:t>
-            </a:r>
+              <a:t> with one of the examples worked through.</a:t>
+            </a:r>
+          </a:p>
+          <a:p>
+            <a:endParaRPr lang="en-NZ" dirty="0"/>
+          </a:p>
+          <a:p>
             <a:r>
               <a:rPr lang="en-NZ" dirty="0" smtClean="0"/>
-              <a:t>:    mean F1 for 100 speakers for TRAP, DRESS, and </a:t>
-            </a:r>
-            <a:r>
-              <a:rPr lang="en-NZ" dirty="0" smtClean="0"/>
-              <a:t>KIT in New Zealand English</a:t>
-            </a:r>
-          </a:p>
-          <a:p>
+              <a:t>Letting you loose on trying to recreate the second!</a:t>
+            </a:r>
             <a:endParaRPr lang="en-NZ" dirty="0"/>
-          </a:p>
-          <a:p>
-            <a:pPr marL="0" indent="0">
-              <a:buNone/>
-            </a:pPr>
-            <a:endParaRPr lang="en-NZ" dirty="0" smtClean="0"/>
-          </a:p>
-          <a:p>
-            <a:endParaRPr lang="en-NZ" dirty="0"/>
-          </a:p>
-          <a:p>
-            <a:endParaRPr lang="en-NZ" dirty="0"/>
-          </a:p>
-        </p:txBody>
-      </p:sp>
-      <p:pic>
-        <p:nvPicPr>
-          <p:cNvPr id="10242" name="Picture 2" descr="The New Zealand front short vowel shift, as represented in the speech... |  Download Scientific Diagram"/>
-          <p:cNvPicPr>
-            <a:picLocks noChangeAspect="1" noChangeArrowheads="1"/>
-          </p:cNvPicPr>
-          <p:nvPr/>
-        </p:nvPicPr>
-        <p:blipFill>
-          <a:blip r:embed="rId2">
-            <a:extLst>
-              <a:ext uri="{28A0092B-C50C-407E-A947-70E740481C1C}">
-                <a14:useLocalDpi xmlns:a14="http://schemas.microsoft.com/office/drawing/2010/main" val="0"/>
-              </a:ext>
-            </a:extLst>
-          </a:blip>
-          <a:srcRect/>
-          <a:stretch>
-            <a:fillRect/>
-          </a:stretch>
-        </p:blipFill>
-        <p:spPr bwMode="auto">
-          <a:xfrm>
-            <a:off x="6325961" y="2835275"/>
-            <a:ext cx="4657725" cy="3762376"/>
-          </a:xfrm>
-          <a:prstGeom prst="rect">
-            <a:avLst/>
-          </a:prstGeom>
-          <a:noFill/>
-          <a:extLst>
-            <a:ext uri="{909E8E84-426E-40DD-AFC4-6F175D3DCCD1}">
-              <a14:hiddenFill xmlns:a14="http://schemas.microsoft.com/office/drawing/2010/main">
-                <a:solidFill>
-                  <a:srgbClr val="FFFFFF"/>
-                </a:solidFill>
-              </a14:hiddenFill>
-            </a:ext>
-          </a:extLst>
-        </p:spPr>
-      </p:pic>
-      <p:sp>
-        <p:nvSpPr>
-          <p:cNvPr id="4" name="TextBox 3"/>
-          <p:cNvSpPr txBox="1"/>
-          <p:nvPr/>
-        </p:nvSpPr>
-        <p:spPr>
-          <a:xfrm>
-            <a:off x="290847" y="4338856"/>
-            <a:ext cx="5347811" cy="1077218"/>
-          </a:xfrm>
-          <a:prstGeom prst="rect">
-            <a:avLst/>
-          </a:prstGeom>
-          <a:noFill/>
-        </p:spPr>
-        <p:txBody>
-          <a:bodyPr wrap="none" rtlCol="0">
-            <a:spAutoFit/>
-          </a:bodyPr>
-          <a:lstStyle/>
-          <a:p>
-            <a:r>
-              <a:rPr lang="en-NZ" sz="3200" dirty="0" smtClean="0"/>
-              <a:t>Context: </a:t>
-            </a:r>
-          </a:p>
-          <a:p>
-            <a:r>
-              <a:rPr lang="en-NZ" sz="3200" dirty="0" smtClean="0"/>
-              <a:t>The NZE short front vowel shift</a:t>
-            </a:r>
-            <a:endParaRPr lang="en-NZ" sz="3200" dirty="0"/>
           </a:p>
         </p:txBody>
       </p:sp>
     </p:spTree>
     <p:extLst>
       <p:ext uri="{BB962C8B-B14F-4D97-AF65-F5344CB8AC3E}">
-        <p14:creationId xmlns:p14="http://schemas.microsoft.com/office/powerpoint/2010/main" val="996693608"/>
+        <p14:creationId xmlns:p14="http://schemas.microsoft.com/office/powerpoint/2010/main" val="1290752608"/>
       </p:ext>
     </p:extLst>
   </p:cSld>
@@ -7317,9 +8360,231 @@
   <p:timing>
     <p:tnLst>
       <p:par>
-        <p:cTn id="1" dur="indefinite" restart="never" nodeType="tmRoot"/>
+        <p:cTn id="1" dur="indefinite" restart="never" nodeType="tmRoot">
+          <p:childTnLst>
+            <p:seq concurrent="1" nextAc="seek">
+              <p:cTn id="2" dur="indefinite" nodeType="mainSeq">
+                <p:childTnLst>
+                  <p:par>
+                    <p:cTn id="3" fill="hold">
+                      <p:stCondLst>
+                        <p:cond delay="indefinite"/>
+                      </p:stCondLst>
+                      <p:childTnLst>
+                        <p:par>
+                          <p:cTn id="4" fill="hold">
+                            <p:stCondLst>
+                              <p:cond delay="0"/>
+                            </p:stCondLst>
+                            <p:childTnLst>
+                              <p:par>
+                                <p:cTn id="5" presetID="1" presetClass="entr" presetSubtype="0" fill="hold" grpId="0" nodeType="clickEffect">
+                                  <p:stCondLst>
+                                    <p:cond delay="0"/>
+                                  </p:stCondLst>
+                                  <p:childTnLst>
+                                    <p:set>
+                                      <p:cBhvr>
+                                        <p:cTn id="6" dur="1" fill="hold">
+                                          <p:stCondLst>
+                                            <p:cond delay="0"/>
+                                          </p:stCondLst>
+                                        </p:cTn>
+                                        <p:tgtEl>
+                                          <p:spTgt spid="3">
+                                            <p:txEl>
+                                              <p:pRg st="0" end="0"/>
+                                            </p:txEl>
+                                          </p:spTgt>
+                                        </p:tgtEl>
+                                        <p:attrNameLst>
+                                          <p:attrName>style.visibility</p:attrName>
+                                        </p:attrNameLst>
+                                      </p:cBhvr>
+                                      <p:to>
+                                        <p:strVal val="visible"/>
+                                      </p:to>
+                                    </p:set>
+                                  </p:childTnLst>
+                                </p:cTn>
+                              </p:par>
+                            </p:childTnLst>
+                          </p:cTn>
+                        </p:par>
+                      </p:childTnLst>
+                    </p:cTn>
+                  </p:par>
+                  <p:par>
+                    <p:cTn id="7" fill="hold">
+                      <p:stCondLst>
+                        <p:cond delay="indefinite"/>
+                      </p:stCondLst>
+                      <p:childTnLst>
+                        <p:par>
+                          <p:cTn id="8" fill="hold">
+                            <p:stCondLst>
+                              <p:cond delay="0"/>
+                            </p:stCondLst>
+                            <p:childTnLst>
+                              <p:par>
+                                <p:cTn id="9" presetID="1" presetClass="entr" presetSubtype="0" fill="hold" grpId="0" nodeType="clickEffect">
+                                  <p:stCondLst>
+                                    <p:cond delay="0"/>
+                                  </p:stCondLst>
+                                  <p:childTnLst>
+                                    <p:set>
+                                      <p:cBhvr>
+                                        <p:cTn id="10" dur="1" fill="hold">
+                                          <p:stCondLst>
+                                            <p:cond delay="0"/>
+                                          </p:stCondLst>
+                                        </p:cTn>
+                                        <p:tgtEl>
+                                          <p:spTgt spid="3">
+                                            <p:txEl>
+                                              <p:pRg st="2" end="2"/>
+                                            </p:txEl>
+                                          </p:spTgt>
+                                        </p:tgtEl>
+                                        <p:attrNameLst>
+                                          <p:attrName>style.visibility</p:attrName>
+                                        </p:attrNameLst>
+                                      </p:cBhvr>
+                                      <p:to>
+                                        <p:strVal val="visible"/>
+                                      </p:to>
+                                    </p:set>
+                                  </p:childTnLst>
+                                </p:cTn>
+                              </p:par>
+                            </p:childTnLst>
+                          </p:cTn>
+                        </p:par>
+                      </p:childTnLst>
+                    </p:cTn>
+                  </p:par>
+                  <p:par>
+                    <p:cTn id="11" fill="hold">
+                      <p:stCondLst>
+                        <p:cond delay="indefinite"/>
+                      </p:stCondLst>
+                      <p:childTnLst>
+                        <p:par>
+                          <p:cTn id="12" fill="hold">
+                            <p:stCondLst>
+                              <p:cond delay="0"/>
+                            </p:stCondLst>
+                            <p:childTnLst>
+                              <p:par>
+                                <p:cTn id="13" presetID="1" presetClass="entr" presetSubtype="0" fill="hold" grpId="0" nodeType="clickEffect">
+                                  <p:stCondLst>
+                                    <p:cond delay="0"/>
+                                  </p:stCondLst>
+                                  <p:childTnLst>
+                                    <p:set>
+                                      <p:cBhvr>
+                                        <p:cTn id="14" dur="1" fill="hold">
+                                          <p:stCondLst>
+                                            <p:cond delay="0"/>
+                                          </p:stCondLst>
+                                        </p:cTn>
+                                        <p:tgtEl>
+                                          <p:spTgt spid="3">
+                                            <p:txEl>
+                                              <p:pRg st="4" end="4"/>
+                                            </p:txEl>
+                                          </p:spTgt>
+                                        </p:tgtEl>
+                                        <p:attrNameLst>
+                                          <p:attrName>style.visibility</p:attrName>
+                                        </p:attrNameLst>
+                                      </p:cBhvr>
+                                      <p:to>
+                                        <p:strVal val="visible"/>
+                                      </p:to>
+                                    </p:set>
+                                  </p:childTnLst>
+                                </p:cTn>
+                              </p:par>
+                            </p:childTnLst>
+                          </p:cTn>
+                        </p:par>
+                      </p:childTnLst>
+                    </p:cTn>
+                  </p:par>
+                  <p:par>
+                    <p:cTn id="15" fill="hold">
+                      <p:stCondLst>
+                        <p:cond delay="indefinite"/>
+                      </p:stCondLst>
+                      <p:childTnLst>
+                        <p:par>
+                          <p:cTn id="16" fill="hold">
+                            <p:stCondLst>
+                              <p:cond delay="0"/>
+                            </p:stCondLst>
+                            <p:childTnLst>
+                              <p:par>
+                                <p:cTn id="17" presetID="1" presetClass="entr" presetSubtype="0" fill="hold" grpId="0" nodeType="clickEffect">
+                                  <p:stCondLst>
+                                    <p:cond delay="0"/>
+                                  </p:stCondLst>
+                                  <p:childTnLst>
+                                    <p:set>
+                                      <p:cBhvr>
+                                        <p:cTn id="18" dur="1" fill="hold">
+                                          <p:stCondLst>
+                                            <p:cond delay="0"/>
+                                          </p:stCondLst>
+                                        </p:cTn>
+                                        <p:tgtEl>
+                                          <p:spTgt spid="3">
+                                            <p:txEl>
+                                              <p:pRg st="6" end="6"/>
+                                            </p:txEl>
+                                          </p:spTgt>
+                                        </p:tgtEl>
+                                        <p:attrNameLst>
+                                          <p:attrName>style.visibility</p:attrName>
+                                        </p:attrNameLst>
+                                      </p:cBhvr>
+                                      <p:to>
+                                        <p:strVal val="visible"/>
+                                      </p:to>
+                                    </p:set>
+                                  </p:childTnLst>
+                                </p:cTn>
+                              </p:par>
+                            </p:childTnLst>
+                          </p:cTn>
+                        </p:par>
+                      </p:childTnLst>
+                    </p:cTn>
+                  </p:par>
+                </p:childTnLst>
+              </p:cTn>
+              <p:prevCondLst>
+                <p:cond evt="onPrev" delay="0">
+                  <p:tgtEl>
+                    <p:sldTgt/>
+                  </p:tgtEl>
+                </p:cond>
+              </p:prevCondLst>
+              <p:nextCondLst>
+                <p:cond evt="onNext" delay="0">
+                  <p:tgtEl>
+                    <p:sldTgt/>
+                  </p:tgtEl>
+                </p:cond>
+              </p:nextCondLst>
+            </p:seq>
+          </p:childTnLst>
+        </p:cTn>
       </p:par>
     </p:tnLst>
+    <p:bldLst>
+      <p:bldP spid="3" grpId="0" build="p"/>
+    </p:bldLst>
   </p:timing>
 </p:sld>
 </file>
@@ -8497,6 +9762,474 @@
           <a:bodyPr/>
           <a:lstStyle/>
           <a:p>
+            <a:r>
+              <a:rPr lang="en-NZ" dirty="0" smtClean="0"/>
+              <a:t>Intuitive overview of PCA</a:t>
+            </a:r>
+            <a:endParaRPr lang="en-NZ" dirty="0"/>
+          </a:p>
+        </p:txBody>
+      </p:sp>
+      <p:sp>
+        <p:nvSpPr>
+          <p:cNvPr id="3" name="Content Placeholder 2"/>
+          <p:cNvSpPr>
+            <a:spLocks noGrp="1"/>
+          </p:cNvSpPr>
+          <p:nvPr>
+            <p:ph idx="1"/>
+          </p:nvPr>
+        </p:nvSpPr>
+        <p:spPr>
+          <a:xfrm>
+            <a:off x="468086" y="0"/>
+            <a:ext cx="10515600" cy="4351338"/>
+          </a:xfrm>
+        </p:spPr>
+        <p:txBody>
+          <a:bodyPr/>
+          <a:lstStyle/>
+          <a:p>
+            <a:endParaRPr lang="en-NZ" dirty="0" smtClean="0"/>
+          </a:p>
+          <a:p>
+            <a:endParaRPr lang="en-NZ" dirty="0"/>
+          </a:p>
+          <a:p>
+            <a:endParaRPr lang="en-NZ" dirty="0" smtClean="0"/>
+          </a:p>
+          <a:p>
+            <a:pPr marL="0" indent="0">
+              <a:buNone/>
+            </a:pPr>
+            <a:r>
+              <a:rPr lang="en-NZ" dirty="0" smtClean="0"/>
+              <a:t>Example</a:t>
+            </a:r>
+            <a:r>
+              <a:rPr lang="en-NZ" dirty="0" smtClean="0"/>
+              <a:t> toy data</a:t>
+            </a:r>
+            <a:r>
+              <a:rPr lang="en-NZ" dirty="0" smtClean="0"/>
+              <a:t>:    </a:t>
+            </a:r>
+            <a:endParaRPr lang="en-NZ" dirty="0" smtClean="0"/>
+          </a:p>
+          <a:p>
+            <a:pPr marL="0" indent="0">
+              <a:buNone/>
+            </a:pPr>
+            <a:r>
+              <a:rPr lang="en-NZ" dirty="0" smtClean="0">
+                <a:solidFill>
+                  <a:schemeClr val="accent1">
+                    <a:lumMod val="50000"/>
+                  </a:schemeClr>
+                </a:solidFill>
+              </a:rPr>
+              <a:t>mean </a:t>
+            </a:r>
+            <a:r>
+              <a:rPr lang="en-NZ" dirty="0" smtClean="0">
+                <a:solidFill>
+                  <a:schemeClr val="accent1">
+                    <a:lumMod val="50000"/>
+                  </a:schemeClr>
+                </a:solidFill>
+              </a:rPr>
+              <a:t>F1 for 100 </a:t>
+            </a:r>
+            <a:r>
+              <a:rPr lang="en-NZ" dirty="0" smtClean="0">
+                <a:solidFill>
+                  <a:schemeClr val="accent1">
+                    <a:lumMod val="50000"/>
+                  </a:schemeClr>
+                </a:solidFill>
+              </a:rPr>
+              <a:t>New Zealand English</a:t>
+            </a:r>
+          </a:p>
+          <a:p>
+            <a:pPr marL="0" indent="0">
+              <a:buNone/>
+            </a:pPr>
+            <a:r>
+              <a:rPr lang="en-NZ" dirty="0" smtClean="0">
+                <a:solidFill>
+                  <a:schemeClr val="accent1">
+                    <a:lumMod val="50000"/>
+                  </a:schemeClr>
+                </a:solidFill>
+              </a:rPr>
+              <a:t>speakers for TRAP</a:t>
+            </a:r>
+            <a:r>
+              <a:rPr lang="en-NZ" dirty="0" smtClean="0">
+                <a:solidFill>
+                  <a:schemeClr val="accent1">
+                    <a:lumMod val="50000"/>
+                  </a:schemeClr>
+                </a:solidFill>
+              </a:rPr>
+              <a:t>, DRESS, and </a:t>
+            </a:r>
+            <a:r>
+              <a:rPr lang="en-NZ" dirty="0" smtClean="0">
+                <a:solidFill>
+                  <a:schemeClr val="accent1">
+                    <a:lumMod val="50000"/>
+                  </a:schemeClr>
+                </a:solidFill>
+              </a:rPr>
+              <a:t>KIT in </a:t>
+            </a:r>
+          </a:p>
+          <a:p>
+            <a:pPr marL="0" indent="0">
+              <a:buNone/>
+            </a:pPr>
+            <a:r>
+              <a:rPr lang="en-NZ" dirty="0" smtClean="0">
+                <a:solidFill>
+                  <a:schemeClr val="accent1">
+                    <a:lumMod val="50000"/>
+                  </a:schemeClr>
+                </a:solidFill>
+              </a:rPr>
+              <a:t>New Zealand English</a:t>
+            </a:r>
+          </a:p>
+          <a:p>
+            <a:endParaRPr lang="en-NZ" dirty="0"/>
+          </a:p>
+          <a:p>
+            <a:pPr marL="0" indent="0">
+              <a:buNone/>
+            </a:pPr>
+            <a:endParaRPr lang="en-NZ" dirty="0" smtClean="0"/>
+          </a:p>
+          <a:p>
+            <a:endParaRPr lang="en-NZ" dirty="0"/>
+          </a:p>
+          <a:p>
+            <a:endParaRPr lang="en-NZ" dirty="0"/>
+          </a:p>
+        </p:txBody>
+      </p:sp>
+      <p:pic>
+        <p:nvPicPr>
+          <p:cNvPr id="10242" name="Picture 2" descr="The New Zealand front short vowel shift, as represented in the speech... |  Download Scientific Diagram"/>
+          <p:cNvPicPr>
+            <a:picLocks noChangeAspect="1" noChangeArrowheads="1"/>
+          </p:cNvPicPr>
+          <p:nvPr/>
+        </p:nvPicPr>
+        <p:blipFill>
+          <a:blip r:embed="rId2">
+            <a:extLst>
+              <a:ext uri="{28A0092B-C50C-407E-A947-70E740481C1C}">
+                <a14:useLocalDpi xmlns:a14="http://schemas.microsoft.com/office/drawing/2010/main" val="0"/>
+              </a:ext>
+            </a:extLst>
+          </a:blip>
+          <a:srcRect/>
+          <a:stretch>
+            <a:fillRect/>
+          </a:stretch>
+        </p:blipFill>
+        <p:spPr bwMode="auto">
+          <a:xfrm>
+            <a:off x="6325961" y="2835275"/>
+            <a:ext cx="4657725" cy="3762376"/>
+          </a:xfrm>
+          <a:prstGeom prst="rect">
+            <a:avLst/>
+          </a:prstGeom>
+          <a:noFill/>
+          <a:extLst>
+            <a:ext uri="{909E8E84-426E-40DD-AFC4-6F175D3DCCD1}">
+              <a14:hiddenFill xmlns:a14="http://schemas.microsoft.com/office/drawing/2010/main">
+                <a:solidFill>
+                  <a:srgbClr val="FFFFFF"/>
+                </a:solidFill>
+              </a14:hiddenFill>
+            </a:ext>
+          </a:extLst>
+        </p:spPr>
+      </p:pic>
+      <p:sp>
+        <p:nvSpPr>
+          <p:cNvPr id="4" name="TextBox 3"/>
+          <p:cNvSpPr txBox="1"/>
+          <p:nvPr/>
+        </p:nvSpPr>
+        <p:spPr>
+          <a:xfrm>
+            <a:off x="290847" y="4338856"/>
+            <a:ext cx="5347811" cy="1077218"/>
+          </a:xfrm>
+          <a:prstGeom prst="rect">
+            <a:avLst/>
+          </a:prstGeom>
+          <a:noFill/>
+        </p:spPr>
+        <p:txBody>
+          <a:bodyPr wrap="none" rtlCol="0">
+            <a:spAutoFit/>
+          </a:bodyPr>
+          <a:lstStyle/>
+          <a:p>
+            <a:r>
+              <a:rPr lang="en-NZ" sz="3200" dirty="0" smtClean="0"/>
+              <a:t>Context: </a:t>
+            </a:r>
+          </a:p>
+          <a:p>
+            <a:r>
+              <a:rPr lang="en-NZ" sz="3200" dirty="0" smtClean="0"/>
+              <a:t>The NZE short front vowel shift</a:t>
+            </a:r>
+            <a:endParaRPr lang="en-NZ" sz="3200" dirty="0"/>
+          </a:p>
+        </p:txBody>
+      </p:sp>
+    </p:spTree>
+    <p:extLst>
+      <p:ext uri="{BB962C8B-B14F-4D97-AF65-F5344CB8AC3E}">
+        <p14:creationId xmlns:p14="http://schemas.microsoft.com/office/powerpoint/2010/main" val="996693608"/>
+      </p:ext>
+    </p:extLst>
+  </p:cSld>
+  <p:clrMapOvr>
+    <a:masterClrMapping/>
+  </p:clrMapOvr>
+  <p:timing>
+    <p:tnLst>
+      <p:par>
+        <p:cTn id="1" dur="indefinite" restart="never" nodeType="tmRoot"/>
+      </p:par>
+    </p:tnLst>
+  </p:timing>
+</p:sld>
+</file>
+
+<file path=ppt/slides/slide40.xml><?xml version="1.0" encoding="utf-8"?>
+<p:sld xmlns:a="http://schemas.openxmlformats.org/drawingml/2006/main" xmlns:r="http://schemas.openxmlformats.org/officeDocument/2006/relationships" xmlns:p="http://schemas.openxmlformats.org/presentationml/2006/main">
+  <p:cSld>
+    <p:spTree>
+      <p:nvGrpSpPr>
+        <p:cNvPr id="1" name=""/>
+        <p:cNvGrpSpPr/>
+        <p:nvPr/>
+      </p:nvGrpSpPr>
+      <p:grpSpPr>
+        <a:xfrm>
+          <a:off x="0" y="0"/>
+          <a:ext cx="0" cy="0"/>
+          <a:chOff x="0" y="0"/>
+          <a:chExt cx="0" cy="0"/>
+        </a:xfrm>
+      </p:grpSpPr>
+      <p:sp>
+        <p:nvSpPr>
+          <p:cNvPr id="2" name="Title 1"/>
+          <p:cNvSpPr>
+            <a:spLocks noGrp="1"/>
+          </p:cNvSpPr>
+          <p:nvPr>
+            <p:ph type="title"/>
+          </p:nvPr>
+        </p:nvSpPr>
+        <p:spPr>
+          <a:xfrm>
+            <a:off x="3755571" y="111351"/>
+            <a:ext cx="10515600" cy="1325563"/>
+          </a:xfrm>
+        </p:spPr>
+        <p:txBody>
+          <a:bodyPr/>
+          <a:lstStyle/>
+          <a:p>
+            <a:r>
+              <a:rPr lang="en-NZ" dirty="0" smtClean="0"/>
+              <a:t>Your turn</a:t>
+            </a:r>
+            <a:endParaRPr lang="en-NZ" dirty="0"/>
+          </a:p>
+        </p:txBody>
+      </p:sp>
+      <p:sp>
+        <p:nvSpPr>
+          <p:cNvPr id="3" name="Content Placeholder 2"/>
+          <p:cNvSpPr>
+            <a:spLocks noGrp="1"/>
+          </p:cNvSpPr>
+          <p:nvPr>
+            <p:ph idx="1"/>
+          </p:nvPr>
+        </p:nvSpPr>
+        <p:spPr>
+          <a:xfrm>
+            <a:off x="435429" y="1436914"/>
+            <a:ext cx="10918371" cy="4740049"/>
+          </a:xfrm>
+        </p:spPr>
+        <p:txBody>
+          <a:bodyPr>
+            <a:normAutofit fontScale="70000" lnSpcReduction="20000"/>
+          </a:bodyPr>
+          <a:lstStyle/>
+          <a:p>
+            <a:r>
+              <a:rPr lang="en-NZ" dirty="0" smtClean="0"/>
+              <a:t>Files are at: </a:t>
+            </a:r>
+            <a:r>
+              <a:rPr lang="en-NZ" dirty="0">
+                <a:hlinkClick r:id="rId2"/>
+              </a:rPr>
+              <a:t>https://</a:t>
+            </a:r>
+            <a:r>
+              <a:rPr lang="en-NZ" dirty="0" smtClean="0">
+                <a:hlinkClick r:id="rId2"/>
+              </a:rPr>
+              <a:t>jenniferhay.github.io</a:t>
+            </a:r>
+            <a:endParaRPr lang="en-NZ" dirty="0" smtClean="0"/>
+          </a:p>
+          <a:p>
+            <a:endParaRPr lang="en-NZ" dirty="0"/>
+          </a:p>
+          <a:p>
+            <a:r>
+              <a:rPr lang="en-NZ" dirty="0" smtClean="0"/>
+              <a:t>Download everything into the same folder.</a:t>
+            </a:r>
+          </a:p>
+          <a:p>
+            <a:endParaRPr lang="en-NZ" dirty="0"/>
+          </a:p>
+          <a:p>
+            <a:r>
+              <a:rPr lang="en-NZ" dirty="0" smtClean="0"/>
+              <a:t>Open the file </a:t>
+            </a:r>
+            <a:r>
+              <a:rPr lang="en-NZ" dirty="0" err="1" smtClean="0"/>
+              <a:t>PCAMaterials.Rmd</a:t>
+            </a:r>
+            <a:endParaRPr lang="en-NZ" dirty="0" smtClean="0"/>
+          </a:p>
+          <a:p>
+            <a:endParaRPr lang="en-NZ" dirty="0" smtClean="0"/>
+          </a:p>
+          <a:p>
+            <a:r>
+              <a:rPr lang="en-NZ" dirty="0" smtClean="0"/>
+              <a:t>Go through and read the </a:t>
+            </a:r>
+            <a:r>
+              <a:rPr lang="en-NZ" dirty="0" err="1" smtClean="0"/>
+              <a:t>Rmarkdown</a:t>
+            </a:r>
+            <a:r>
+              <a:rPr lang="en-NZ" dirty="0" smtClean="0"/>
+              <a:t>, and execute all the code.</a:t>
+            </a:r>
+          </a:p>
+          <a:p>
+            <a:endParaRPr lang="en-NZ" dirty="0"/>
+          </a:p>
+          <a:p>
+            <a:r>
+              <a:rPr lang="en-NZ" dirty="0" smtClean="0"/>
+              <a:t>I can’t wander around and see your screens, but don’t leave me bored.  Ask me if you have questions!</a:t>
+            </a:r>
+          </a:p>
+          <a:p>
+            <a:endParaRPr lang="en-NZ" dirty="0"/>
+          </a:p>
+          <a:p>
+            <a:r>
+              <a:rPr lang="en-NZ" dirty="0" smtClean="0"/>
+              <a:t>You have the code for the survey example.  </a:t>
+            </a:r>
+          </a:p>
+          <a:p>
+            <a:endParaRPr lang="en-NZ" dirty="0"/>
+          </a:p>
+          <a:p>
+            <a:r>
+              <a:rPr lang="en-NZ" dirty="0" smtClean="0"/>
+              <a:t>Once you have gone through this, you can try and recreate it for the dis/</a:t>
+            </a:r>
+            <a:r>
+              <a:rPr lang="en-NZ" dirty="0" err="1" smtClean="0"/>
+              <a:t>mis</a:t>
+            </a:r>
+            <a:r>
+              <a:rPr lang="en-NZ" dirty="0" smtClean="0"/>
+              <a:t> example.</a:t>
+            </a:r>
+            <a:endParaRPr lang="en-NZ" dirty="0"/>
+          </a:p>
+        </p:txBody>
+      </p:sp>
+    </p:spTree>
+    <p:extLst>
+      <p:ext uri="{BB962C8B-B14F-4D97-AF65-F5344CB8AC3E}">
+        <p14:creationId xmlns:p14="http://schemas.microsoft.com/office/powerpoint/2010/main" val="1188292603"/>
+      </p:ext>
+    </p:extLst>
+  </p:cSld>
+  <p:clrMapOvr>
+    <a:masterClrMapping/>
+  </p:clrMapOvr>
+  <p:timing>
+    <p:tnLst>
+      <p:par>
+        <p:cTn id="1" dur="indefinite" restart="never" nodeType="tmRoot"/>
+      </p:par>
+    </p:tnLst>
+  </p:timing>
+</p:sld>
+</file>
+
+<file path=ppt/slides/slide5.xml><?xml version="1.0" encoding="utf-8"?>
+<p:sld xmlns:a="http://schemas.openxmlformats.org/drawingml/2006/main" xmlns:r="http://schemas.openxmlformats.org/officeDocument/2006/relationships" xmlns:p="http://schemas.openxmlformats.org/presentationml/2006/main">
+  <p:cSld>
+    <p:spTree>
+      <p:nvGrpSpPr>
+        <p:cNvPr id="1" name=""/>
+        <p:cNvGrpSpPr/>
+        <p:nvPr/>
+      </p:nvGrpSpPr>
+      <p:grpSpPr>
+        <a:xfrm>
+          <a:off x="0" y="0"/>
+          <a:ext cx="0" cy="0"/>
+          <a:chOff x="0" y="0"/>
+          <a:chExt cx="0" cy="0"/>
+        </a:xfrm>
+      </p:grpSpPr>
+      <p:sp>
+        <p:nvSpPr>
+          <p:cNvPr id="2" name="Title 1"/>
+          <p:cNvSpPr>
+            <a:spLocks noGrp="1"/>
+          </p:cNvSpPr>
+          <p:nvPr>
+            <p:ph type="title"/>
+          </p:nvPr>
+        </p:nvSpPr>
+        <p:spPr/>
+        <p:txBody>
+          <a:bodyPr/>
+          <a:lstStyle/>
+          <a:p>
             <a:endParaRPr lang="en-NZ"/>
           </a:p>
         </p:txBody>
@@ -8563,7 +10296,7 @@
 </p:sld>
 </file>
 
-<file path=ppt/slides/slide40.xml><?xml version="1.0" encoding="utf-8"?>
+<file path=ppt/slides/slide6.xml><?xml version="1.0" encoding="utf-8"?>
 <p:sld xmlns:a="http://schemas.openxmlformats.org/drawingml/2006/main" xmlns:r="http://schemas.openxmlformats.org/officeDocument/2006/relationships" xmlns:p="http://schemas.openxmlformats.org/presentationml/2006/main">
   <p:cSld>
     <p:spTree>
@@ -8590,189 +10323,6 @@
             <p:ph type="title"/>
           </p:nvPr>
         </p:nvSpPr>
-        <p:spPr>
-          <a:xfrm>
-            <a:off x="3755571" y="111351"/>
-            <a:ext cx="10515600" cy="1325563"/>
-          </a:xfrm>
-        </p:spPr>
-        <p:txBody>
-          <a:bodyPr/>
-          <a:lstStyle/>
-          <a:p>
-            <a:r>
-              <a:rPr lang="en-NZ" dirty="0" smtClean="0"/>
-              <a:t>Your turn</a:t>
-            </a:r>
-            <a:endParaRPr lang="en-NZ" dirty="0"/>
-          </a:p>
-        </p:txBody>
-      </p:sp>
-      <p:sp>
-        <p:nvSpPr>
-          <p:cNvPr id="3" name="Content Placeholder 2"/>
-          <p:cNvSpPr>
-            <a:spLocks noGrp="1"/>
-          </p:cNvSpPr>
-          <p:nvPr>
-            <p:ph idx="1"/>
-          </p:nvPr>
-        </p:nvSpPr>
-        <p:spPr>
-          <a:xfrm>
-            <a:off x="435429" y="1436914"/>
-            <a:ext cx="10918371" cy="4740049"/>
-          </a:xfrm>
-        </p:spPr>
-        <p:txBody>
-          <a:bodyPr>
-            <a:normAutofit fontScale="77500" lnSpcReduction="20000"/>
-          </a:bodyPr>
-          <a:lstStyle/>
-          <a:p>
-            <a:r>
-              <a:rPr lang="en-NZ" dirty="0" smtClean="0"/>
-              <a:t>Files are at: </a:t>
-            </a:r>
-            <a:r>
-              <a:rPr lang="en-NZ" dirty="0">
-                <a:hlinkClick r:id="rId2"/>
-              </a:rPr>
-              <a:t>https://</a:t>
-            </a:r>
-            <a:r>
-              <a:rPr lang="en-NZ" dirty="0" smtClean="0">
-                <a:hlinkClick r:id="rId2"/>
-              </a:rPr>
-              <a:t>jenniferhay.github.io</a:t>
-            </a:r>
-            <a:endParaRPr lang="en-NZ" dirty="0" smtClean="0"/>
-          </a:p>
-          <a:p>
-            <a:endParaRPr lang="en-NZ" dirty="0"/>
-          </a:p>
-          <a:p>
-            <a:r>
-              <a:rPr lang="en-NZ" dirty="0" smtClean="0"/>
-              <a:t>Download everything into the same folder.</a:t>
-            </a:r>
-          </a:p>
-          <a:p>
-            <a:endParaRPr lang="en-NZ" dirty="0"/>
-          </a:p>
-          <a:p>
-            <a:r>
-              <a:rPr lang="en-NZ" dirty="0" smtClean="0"/>
-              <a:t>Open the file </a:t>
-            </a:r>
-            <a:r>
-              <a:rPr lang="en-NZ" dirty="0" err="1" smtClean="0"/>
-              <a:t>PCAMaterials.Rmd</a:t>
-            </a:r>
-            <a:endParaRPr lang="en-NZ" dirty="0" smtClean="0"/>
-          </a:p>
-          <a:p>
-            <a:endParaRPr lang="en-NZ" dirty="0" smtClean="0"/>
-          </a:p>
-          <a:p>
-            <a:r>
-              <a:rPr lang="en-NZ" dirty="0" smtClean="0"/>
-              <a:t>Go through and read the </a:t>
-            </a:r>
-            <a:r>
-              <a:rPr lang="en-NZ" dirty="0" err="1" smtClean="0"/>
-              <a:t>Rmarkdown</a:t>
-            </a:r>
-            <a:r>
-              <a:rPr lang="en-NZ" dirty="0" smtClean="0"/>
-              <a:t>, and execute all the code.</a:t>
-            </a:r>
-          </a:p>
-          <a:p>
-            <a:endParaRPr lang="en-NZ" dirty="0"/>
-          </a:p>
-          <a:p>
-            <a:r>
-              <a:rPr lang="en-NZ" dirty="0" smtClean="0"/>
-              <a:t>I can’t see your screens, but don’t leave me bored.  Ask me if you have questions!</a:t>
-            </a:r>
-          </a:p>
-          <a:p>
-            <a:endParaRPr lang="en-NZ" dirty="0"/>
-          </a:p>
-          <a:p>
-            <a:r>
-              <a:rPr lang="en-NZ" dirty="0" smtClean="0"/>
-              <a:t>You have the code for the survey example.  </a:t>
-            </a:r>
-          </a:p>
-          <a:p>
-            <a:endParaRPr lang="en-NZ" dirty="0"/>
-          </a:p>
-          <a:p>
-            <a:r>
-              <a:rPr lang="en-NZ" dirty="0" smtClean="0"/>
-              <a:t>Once you have gone through this, you can try and recreate it for the dis/</a:t>
-            </a:r>
-            <a:r>
-              <a:rPr lang="en-NZ" dirty="0" err="1" smtClean="0"/>
-              <a:t>mis</a:t>
-            </a:r>
-            <a:r>
-              <a:rPr lang="en-NZ" dirty="0" smtClean="0"/>
-              <a:t> example.</a:t>
-            </a:r>
-            <a:endParaRPr lang="en-NZ" dirty="0"/>
-          </a:p>
-        </p:txBody>
-      </p:sp>
-    </p:spTree>
-    <p:extLst>
-      <p:ext uri="{BB962C8B-B14F-4D97-AF65-F5344CB8AC3E}">
-        <p14:creationId xmlns:p14="http://schemas.microsoft.com/office/powerpoint/2010/main" val="1188292603"/>
-      </p:ext>
-    </p:extLst>
-  </p:cSld>
-  <p:clrMapOvr>
-    <a:masterClrMapping/>
-  </p:clrMapOvr>
-  <p:timing>
-    <p:tnLst>
-      <p:par>
-        <p:cTn id="1" dur="indefinite" restart="never" nodeType="tmRoot"/>
-      </p:par>
-    </p:tnLst>
-  </p:timing>
-</p:sld>
-</file>
-
-<file path=ppt/slides/slide5.xml><?xml version="1.0" encoding="utf-8"?>
-<p:sld xmlns:a="http://schemas.openxmlformats.org/drawingml/2006/main" xmlns:r="http://schemas.openxmlformats.org/officeDocument/2006/relationships" xmlns:p="http://schemas.openxmlformats.org/presentationml/2006/main">
-  <p:cSld>
-    <p:spTree>
-      <p:nvGrpSpPr>
-        <p:cNvPr id="1" name=""/>
-        <p:cNvGrpSpPr/>
-        <p:nvPr/>
-      </p:nvGrpSpPr>
-      <p:grpSpPr>
-        <a:xfrm>
-          <a:off x="0" y="0"/>
-          <a:ext cx="0" cy="0"/>
-          <a:chOff x="0" y="0"/>
-          <a:chExt cx="0" cy="0"/>
-        </a:xfrm>
-      </p:grpSpPr>
-      <p:sp>
-        <p:nvSpPr>
-          <p:cNvPr id="2" name="Title 1"/>
-          <p:cNvSpPr>
-            <a:spLocks noGrp="1"/>
-          </p:cNvSpPr>
-          <p:nvPr>
-            <p:ph type="title"/>
-          </p:nvPr>
-        </p:nvSpPr>
         <p:spPr/>
         <p:txBody>
           <a:bodyPr/>
@@ -8815,8 +10365,8 @@
         </p:nvSpPr>
         <p:spPr>
           <a:xfrm>
-            <a:off x="7071360" y="507052"/>
-            <a:ext cx="6096000" cy="923330"/>
+            <a:off x="6439988" y="486189"/>
+            <a:ext cx="6096000" cy="1384995"/>
           </a:xfrm>
           <a:prstGeom prst="rect">
             <a:avLst/>
@@ -8828,12 +10378,8 @@
           </a:bodyPr>
           <a:lstStyle/>
           <a:p>
-            <a:pPr>
-              <a:buFont typeface="Arial" panose="020B0604020202020204" pitchFamily="34" charset="0"/>
-              <a:buChar char="•"/>
-            </a:pPr>
-            <a:r>
-              <a:rPr lang="en-NZ" b="0" i="0" dirty="0" smtClean="0">
+            <a:r>
+              <a:rPr lang="en-NZ" sz="2800" b="0" i="0" dirty="0" smtClean="0">
                 <a:solidFill>
                   <a:srgbClr val="FF0000"/>
                 </a:solidFill>
@@ -8843,7 +10389,7 @@
               <a:t>An Interpretation</a:t>
             </a:r>
             <a:r>
-              <a:rPr lang="en-NZ" b="0" i="0" dirty="0" smtClean="0">
+              <a:rPr lang="en-NZ" sz="2800" b="0" i="0" dirty="0" smtClean="0">
                 <a:solidFill>
                   <a:srgbClr val="FF0000"/>
                 </a:solidFill>
@@ -8859,7 +10405,7 @@
               <a:buChar char="•"/>
             </a:pPr>
             <a:r>
-              <a:rPr lang="en-NZ" b="0" i="0" dirty="0" smtClean="0">
+              <a:rPr lang="en-NZ" sz="2800" b="0" i="0" dirty="0" smtClean="0">
                 <a:solidFill>
                   <a:srgbClr val="FF0000"/>
                 </a:solidFill>
@@ -8869,7 +10415,7 @@
               <a:t>PC1: </a:t>
             </a:r>
             <a:r>
-              <a:rPr lang="en-NZ" dirty="0" smtClean="0">
+              <a:rPr lang="en-NZ" sz="2800" dirty="0" smtClean="0">
                 <a:solidFill>
                   <a:srgbClr val="FF0000"/>
                 </a:solidFill>
@@ -8877,7 +10423,7 @@
               </a:rPr>
               <a:t>physiological factors</a:t>
             </a:r>
-            <a:endParaRPr lang="en-NZ" b="0" i="0" dirty="0" smtClean="0">
+            <a:endParaRPr lang="en-NZ" sz="2800" b="0" i="0" dirty="0" smtClean="0">
               <a:solidFill>
                 <a:srgbClr val="FF0000"/>
               </a:solidFill>
@@ -8891,7 +10437,7 @@
               <a:buChar char="•"/>
             </a:pPr>
             <a:r>
-              <a:rPr lang="en-NZ" b="0" i="0" dirty="0" smtClean="0">
+              <a:rPr lang="en-NZ" sz="2800" b="0" i="0" dirty="0" smtClean="0">
                 <a:solidFill>
                   <a:srgbClr val="FF0000"/>
                 </a:solidFill>
@@ -8900,7 +10446,7 @@
               </a:rPr>
               <a:t>PC2: short front vowel shift</a:t>
             </a:r>
-            <a:endParaRPr lang="en-NZ" b="0" i="0" dirty="0">
+            <a:endParaRPr lang="en-NZ" sz="2800" b="0" i="0" dirty="0">
               <a:solidFill>
                 <a:srgbClr val="FF0000"/>
               </a:solidFill>
@@ -8953,7 +10499,7 @@
 </p:sld>
 </file>
 
-<file path=ppt/slides/slide6.xml><?xml version="1.0" encoding="utf-8"?>
+<file path=ppt/slides/slide7.xml><?xml version="1.0" encoding="utf-8"?>
 <p:sld xmlns:a="http://schemas.openxmlformats.org/drawingml/2006/main" xmlns:r="http://schemas.openxmlformats.org/officeDocument/2006/relationships" xmlns:p="http://schemas.openxmlformats.org/presentationml/2006/main">
   <p:cSld>
     <p:spTree>
@@ -9041,7 +10587,7 @@
 </p:sld>
 </file>
 
-<file path=ppt/slides/slide7.xml><?xml version="1.0" encoding="utf-8"?>
+<file path=ppt/slides/slide8.xml><?xml version="1.0" encoding="utf-8"?>
 <p:sld xmlns:a="http://schemas.openxmlformats.org/drawingml/2006/main" xmlns:r="http://schemas.openxmlformats.org/officeDocument/2006/relationships" xmlns:p="http://schemas.openxmlformats.org/presentationml/2006/main">
   <p:cSld>
     <p:spTree>
@@ -9089,8 +10635,8 @@
         </p:nvSpPr>
         <p:spPr bwMode="auto">
           <a:xfrm>
-            <a:off x="1399903" y="2577642"/>
-            <a:ext cx="9789859" cy="1985159"/>
+            <a:off x="838200" y="2337979"/>
+            <a:ext cx="10844635" cy="2246769"/>
           </a:xfrm>
           <a:prstGeom prst="rect">
             <a:avLst/>
@@ -9155,7 +10701,7 @@
               <a:tabLst/>
             </a:pPr>
             <a:r>
-              <a:rPr kumimoji="0" lang="en-US" altLang="en-US" sz="1500" b="1" i="0" u="none" strike="noStrike" cap="none" normalizeH="0" baseline="0" dirty="0" smtClean="0">
+              <a:rPr kumimoji="0" lang="en-US" altLang="en-US" sz="2000" b="1" i="0" u="none" strike="noStrike" cap="none" normalizeH="0" baseline="0" dirty="0" smtClean="0">
                 <a:ln>
                   <a:noFill/>
                 </a:ln>
@@ -9167,7 +10713,7 @@
               </a:rPr>
               <a:t>From 'the textbook':</a:t>
             </a:r>
-            <a:endParaRPr kumimoji="0" lang="en-US" altLang="en-US" sz="1100" b="0" i="0" u="none" strike="noStrike" cap="none" normalizeH="0" baseline="0" dirty="0" smtClean="0">
+            <a:endParaRPr kumimoji="0" lang="en-US" altLang="en-US" sz="2000" b="0" i="0" u="none" strike="noStrike" cap="none" normalizeH="0" baseline="0" dirty="0" smtClean="0">
               <a:ln>
                 <a:noFill/>
               </a:ln>
@@ -9195,7 +10741,7 @@
               <a:tabLst/>
             </a:pPr>
             <a:r>
-              <a:rPr kumimoji="0" lang="en-US" altLang="en-US" sz="1800" b="0" i="0" u="none" strike="noStrike" cap="none" normalizeH="0" baseline="0" dirty="0" smtClean="0">
+              <a:rPr kumimoji="0" lang="en-US" altLang="en-US" sz="2000" b="0" i="0" u="none" strike="noStrike" cap="none" normalizeH="0" baseline="0" dirty="0" smtClean="0">
                 <a:ln>
                   <a:noFill/>
                 </a:ln>
@@ -9226,7 +10772,7 @@
               <a:tabLst/>
             </a:pPr>
             <a:r>
-              <a:rPr kumimoji="0" lang="en-US" altLang="en-US" sz="1800" b="0" i="0" u="none" strike="noStrike" cap="none" normalizeH="0" baseline="0" dirty="0" smtClean="0">
+              <a:rPr kumimoji="0" lang="en-US" altLang="en-US" sz="2000" b="0" i="0" u="none" strike="noStrike" cap="none" normalizeH="0" baseline="0" dirty="0" smtClean="0">
                 <a:ln>
                   <a:noFill/>
                 </a:ln>
@@ -9257,7 +10803,7 @@
               <a:tabLst/>
             </a:pPr>
             <a:r>
-              <a:rPr kumimoji="0" lang="en-US" altLang="en-US" sz="1800" b="0" i="0" u="none" strike="noStrike" cap="none" normalizeH="0" baseline="0" dirty="0" smtClean="0">
+              <a:rPr kumimoji="0" lang="en-US" altLang="en-US" sz="2000" b="0" i="0" u="none" strike="noStrike" cap="none" normalizeH="0" baseline="0" dirty="0" smtClean="0">
                 <a:ln>
                   <a:noFill/>
                 </a:ln>
@@ -9288,7 +10834,7 @@
               <a:tabLst/>
             </a:pPr>
             <a:r>
-              <a:rPr kumimoji="0" lang="en-US" altLang="en-US" sz="1800" b="0" i="0" u="none" strike="noStrike" cap="none" normalizeH="0" baseline="0" dirty="0" smtClean="0">
+              <a:rPr kumimoji="0" lang="en-US" altLang="en-US" sz="2000" b="0" i="0" u="none" strike="noStrike" cap="none" normalizeH="0" baseline="0" dirty="0" smtClean="0">
                 <a:ln>
                   <a:noFill/>
                 </a:ln>
@@ -9319,7 +10865,7 @@
               <a:tabLst/>
             </a:pPr>
             <a:r>
-              <a:rPr kumimoji="0" lang="en-US" altLang="en-US" sz="1800" b="0" i="0" u="none" strike="noStrike" cap="none" normalizeH="0" baseline="0" dirty="0" smtClean="0">
+              <a:rPr kumimoji="0" lang="en-US" altLang="en-US" sz="2000" b="0" i="0" u="none" strike="noStrike" cap="none" normalizeH="0" baseline="0" dirty="0" smtClean="0">
                 <a:ln>
                   <a:noFill/>
                 </a:ln>
@@ -9332,7 +10878,7 @@
               <a:t>which are uncorrelated, and which are ordered so that the first </a:t>
             </a:r>
             <a:r>
-              <a:rPr kumimoji="0" lang="en-US" altLang="en-US" sz="1800" b="0" i="1" u="none" strike="noStrike" cap="none" normalizeH="0" baseline="0" dirty="0" smtClean="0">
+              <a:rPr kumimoji="0" lang="en-US" altLang="en-US" sz="2000" b="0" i="1" u="none" strike="noStrike" cap="none" normalizeH="0" baseline="0" dirty="0" smtClean="0">
                 <a:ln>
                   <a:noFill/>
                 </a:ln>
@@ -9345,7 +10891,7 @@
               <a:t>few</a:t>
             </a:r>
             <a:r>
-              <a:rPr kumimoji="0" lang="en-US" altLang="en-US" sz="1800" b="0" i="0" u="none" strike="noStrike" cap="none" normalizeH="0" baseline="0" dirty="0" smtClean="0">
+              <a:rPr kumimoji="0" lang="en-US" altLang="en-US" sz="2000" b="0" i="0" u="none" strike="noStrike" cap="none" normalizeH="0" baseline="0" dirty="0" smtClean="0">
                 <a:ln>
                   <a:noFill/>
                 </a:ln>
@@ -9376,7 +10922,7 @@
               <a:tabLst/>
             </a:pPr>
             <a:r>
-              <a:rPr kumimoji="0" lang="en-US" altLang="en-US" sz="1800" b="0" i="0" u="none" strike="noStrike" cap="none" normalizeH="0" baseline="0" dirty="0" smtClean="0">
+              <a:rPr kumimoji="0" lang="en-US" altLang="en-US" sz="2000" b="0" i="0" u="none" strike="noStrike" cap="none" normalizeH="0" baseline="0" dirty="0" smtClean="0">
                 <a:ln>
                   <a:noFill/>
                 </a:ln>
@@ -9389,7 +10935,7 @@
               <a:t>present in </a:t>
             </a:r>
             <a:r>
-              <a:rPr kumimoji="0" lang="en-US" altLang="en-US" sz="1800" b="0" i="1" u="none" strike="noStrike" cap="none" normalizeH="0" baseline="0" dirty="0" smtClean="0">
+              <a:rPr kumimoji="0" lang="en-US" altLang="en-US" sz="2000" b="0" i="1" u="none" strike="noStrike" cap="none" normalizeH="0" baseline="0" dirty="0" smtClean="0">
                 <a:ln>
                   <a:noFill/>
                 </a:ln>
@@ -9402,7 +10948,7 @@
               <a:t>all</a:t>
             </a:r>
             <a:r>
-              <a:rPr kumimoji="0" lang="en-US" altLang="en-US" sz="1800" b="0" i="0" u="none" strike="noStrike" cap="none" normalizeH="0" baseline="0" dirty="0" smtClean="0">
+              <a:rPr kumimoji="0" lang="en-US" altLang="en-US" sz="2000" b="0" i="0" u="none" strike="noStrike" cap="none" normalizeH="0" baseline="0" dirty="0" smtClean="0">
                 <a:ln>
                   <a:noFill/>
                 </a:ln>
@@ -9415,7 +10961,7 @@
               <a:t> of the original variables. </a:t>
             </a:r>
             <a:r>
-              <a:rPr kumimoji="0" lang="en-US" altLang="en-US" sz="1800" b="0" i="0" u="none" strike="noStrike" cap="none" normalizeH="0" baseline="0" dirty="0" smtClean="0">
+              <a:rPr kumimoji="0" lang="en-US" altLang="en-US" sz="2000" b="0" i="0" u="none" strike="noStrike" cap="none" normalizeH="0" baseline="0" dirty="0" smtClean="0">
                 <a:ln>
                   <a:noFill/>
                 </a:ln>
@@ -9429,7 +10975,7 @@
               <a:t>(</a:t>
             </a:r>
             <a:r>
-              <a:rPr kumimoji="0" lang="en-US" altLang="en-US" sz="1800" b="0" i="0" u="none" strike="noStrike" cap="none" normalizeH="0" baseline="0" dirty="0" err="1" smtClean="0">
+              <a:rPr kumimoji="0" lang="en-US" altLang="en-US" sz="2000" b="0" i="0" u="none" strike="noStrike" cap="none" normalizeH="0" baseline="0" dirty="0" err="1" smtClean="0">
                 <a:ln>
                   <a:noFill/>
                 </a:ln>
@@ -9443,7 +10989,7 @@
               <a:t>Jolliffe</a:t>
             </a:r>
             <a:r>
-              <a:rPr kumimoji="0" lang="en-US" altLang="en-US" sz="1800" b="0" i="0" u="none" strike="noStrike" cap="none" normalizeH="0" baseline="0" dirty="0" smtClean="0">
+              <a:rPr kumimoji="0" lang="en-US" altLang="en-US" sz="2000" b="0" i="0" u="none" strike="noStrike" cap="none" normalizeH="0" baseline="0" dirty="0" smtClean="0">
                 <a:ln>
                   <a:noFill/>
                 </a:ln>
@@ -9456,7 +11002,7 @@
               </a:rPr>
               <a:t>, 2002)</a:t>
             </a:r>
-            <a:endParaRPr kumimoji="0" lang="en-US" altLang="en-US" sz="1800" b="0" i="0" u="none" strike="noStrike" cap="none" normalizeH="0" baseline="0" dirty="0" smtClean="0">
+            <a:endParaRPr kumimoji="0" lang="en-US" altLang="en-US" sz="2000" b="0" i="0" u="none" strike="noStrike" cap="none" normalizeH="0" baseline="0" dirty="0" smtClean="0">
               <a:ln>
                 <a:noFill/>
               </a:ln>
@@ -9473,251 +11019,6 @@
     <p:extLst>
       <p:ext uri="{BB962C8B-B14F-4D97-AF65-F5344CB8AC3E}">
         <p14:creationId xmlns:p14="http://schemas.microsoft.com/office/powerpoint/2010/main" val="1801688978"/>
-      </p:ext>
-    </p:extLst>
-  </p:cSld>
-  <p:clrMapOvr>
-    <a:masterClrMapping/>
-  </p:clrMapOvr>
-  <p:timing>
-    <p:tnLst>
-      <p:par>
-        <p:cTn id="1" dur="indefinite" restart="never" nodeType="tmRoot"/>
-      </p:par>
-    </p:tnLst>
-  </p:timing>
-</p:sld>
-</file>
-
-<file path=ppt/slides/slide8.xml><?xml version="1.0" encoding="utf-8"?>
-<p:sld xmlns:a="http://schemas.openxmlformats.org/drawingml/2006/main" xmlns:r="http://schemas.openxmlformats.org/officeDocument/2006/relationships" xmlns:p="http://schemas.openxmlformats.org/presentationml/2006/main">
-  <p:cSld>
-    <p:spTree>
-      <p:nvGrpSpPr>
-        <p:cNvPr id="1" name=""/>
-        <p:cNvGrpSpPr/>
-        <p:nvPr/>
-      </p:nvGrpSpPr>
-      <p:grpSpPr>
-        <a:xfrm>
-          <a:off x="0" y="0"/>
-          <a:ext cx="0" cy="0"/>
-          <a:chOff x="0" y="0"/>
-          <a:chExt cx="0" cy="0"/>
-        </a:xfrm>
-      </p:grpSpPr>
-      <p:sp>
-        <p:nvSpPr>
-          <p:cNvPr id="2" name="Title 1"/>
-          <p:cNvSpPr>
-            <a:spLocks noGrp="1"/>
-          </p:cNvSpPr>
-          <p:nvPr>
-            <p:ph type="title"/>
-          </p:nvPr>
-        </p:nvSpPr>
-        <p:spPr/>
-        <p:txBody>
-          <a:bodyPr/>
-          <a:lstStyle/>
-          <a:p>
-            <a:endParaRPr lang="en-NZ"/>
-          </a:p>
-        </p:txBody>
-      </p:sp>
-      <p:sp>
-        <p:nvSpPr>
-          <p:cNvPr id="3" name="Content Placeholder 2"/>
-          <p:cNvSpPr>
-            <a:spLocks noGrp="1"/>
-          </p:cNvSpPr>
-          <p:nvPr>
-            <p:ph idx="1"/>
-          </p:nvPr>
-        </p:nvSpPr>
-        <p:spPr/>
-        <p:txBody>
-          <a:bodyPr>
-            <a:normAutofit fontScale="92500" lnSpcReduction="20000"/>
-          </a:bodyPr>
-          <a:lstStyle/>
-          <a:p>
-            <a:r>
-              <a:rPr lang="en-NZ" dirty="0" smtClean="0"/>
-              <a:t>Four </a:t>
-            </a:r>
-            <a:r>
-              <a:rPr lang="en-NZ" dirty="0" smtClean="0"/>
-              <a:t>data-sets</a:t>
-            </a:r>
-            <a:endParaRPr lang="en-NZ" dirty="0" smtClean="0"/>
-          </a:p>
-          <a:p>
-            <a:endParaRPr lang="en-NZ" dirty="0"/>
-          </a:p>
-          <a:p>
-            <a:r>
-              <a:rPr lang="en-NZ" dirty="0" smtClean="0"/>
-              <a:t>What attitudes and exposure to participants have toward </a:t>
-            </a:r>
-            <a:r>
-              <a:rPr lang="en-NZ" dirty="0" err="1" smtClean="0"/>
-              <a:t>te</a:t>
-            </a:r>
-            <a:r>
-              <a:rPr lang="en-NZ" dirty="0" smtClean="0"/>
-              <a:t> reo Māori? (want to </a:t>
-            </a:r>
-            <a:r>
-              <a:rPr lang="en-NZ" i="1" dirty="0" smtClean="0">
-                <a:solidFill>
-                  <a:srgbClr val="FF0000"/>
-                </a:solidFill>
-              </a:rPr>
-              <a:t>reduce dimensionality </a:t>
-            </a:r>
-            <a:r>
-              <a:rPr lang="en-NZ" i="1" dirty="0" smtClean="0">
-                <a:solidFill>
-                  <a:srgbClr val="FF0000"/>
-                </a:solidFill>
-              </a:rPr>
-              <a:t>of independent variables </a:t>
-            </a:r>
-            <a:r>
-              <a:rPr lang="en-NZ" dirty="0" smtClean="0"/>
-              <a:t>to </a:t>
-            </a:r>
-            <a:r>
-              <a:rPr lang="en-NZ" dirty="0" smtClean="0"/>
-              <a:t>use to predict pronunciation)</a:t>
-            </a:r>
-          </a:p>
-          <a:p>
-            <a:r>
-              <a:rPr lang="en-NZ" dirty="0" smtClean="0"/>
-              <a:t>What acoustic variables </a:t>
-            </a:r>
-            <a:r>
-              <a:rPr lang="en-NZ" dirty="0" err="1" smtClean="0"/>
-              <a:t>covary</a:t>
-            </a:r>
-            <a:r>
-              <a:rPr lang="en-NZ" dirty="0" smtClean="0"/>
-              <a:t> in ‘dis/</a:t>
-            </a:r>
-            <a:r>
-              <a:rPr lang="en-NZ" dirty="0" err="1" smtClean="0"/>
-              <a:t>mis</a:t>
-            </a:r>
-            <a:r>
-              <a:rPr lang="en-NZ" dirty="0" smtClean="0"/>
-              <a:t>’ </a:t>
-            </a:r>
-            <a:r>
-              <a:rPr lang="en-NZ" dirty="0" err="1" smtClean="0"/>
-              <a:t>triphones</a:t>
-            </a:r>
-            <a:r>
-              <a:rPr lang="en-NZ" dirty="0" smtClean="0"/>
-              <a:t>? </a:t>
-            </a:r>
-            <a:r>
-              <a:rPr lang="en-NZ" dirty="0" smtClean="0"/>
-              <a:t>(</a:t>
-            </a:r>
-            <a:r>
-              <a:rPr lang="en-NZ" i="1" dirty="0" smtClean="0">
-                <a:solidFill>
-                  <a:srgbClr val="FF0000"/>
-                </a:solidFill>
-              </a:rPr>
-              <a:t>want to reduce </a:t>
-            </a:r>
-            <a:r>
-              <a:rPr lang="en-NZ" i="1" dirty="0" smtClean="0">
-                <a:solidFill>
-                  <a:srgbClr val="FF0000"/>
-                </a:solidFill>
-              </a:rPr>
-              <a:t>dimensionality of dependent variables</a:t>
-            </a:r>
-            <a:r>
-              <a:rPr lang="en-NZ" dirty="0" smtClean="0"/>
-              <a:t>, </a:t>
-            </a:r>
-            <a:r>
-              <a:rPr lang="en-NZ" dirty="0" smtClean="0"/>
-              <a:t>then investigate whether prefix status affects  pronunciation)   </a:t>
-            </a:r>
-          </a:p>
-          <a:p>
-            <a:r>
-              <a:rPr lang="en-NZ" dirty="0" smtClean="0"/>
-              <a:t>What vowels cluster together in terms of how </a:t>
-            </a:r>
-            <a:r>
-              <a:rPr lang="en-NZ" dirty="0" err="1" smtClean="0"/>
-              <a:t>sociolinguistically</a:t>
-            </a:r>
-            <a:r>
-              <a:rPr lang="en-NZ" dirty="0" smtClean="0"/>
-              <a:t> advanced they are, across speakers? (</a:t>
-            </a:r>
-            <a:r>
-              <a:rPr lang="en-NZ" i="1" dirty="0" smtClean="0">
-                <a:solidFill>
-                  <a:srgbClr val="FF0000"/>
-                </a:solidFill>
-              </a:rPr>
-              <a:t>want to explore degree to which things are associated</a:t>
-            </a:r>
-            <a:r>
-              <a:rPr lang="en-NZ" dirty="0" smtClean="0"/>
-              <a:t>).</a:t>
-            </a:r>
-          </a:p>
-          <a:p>
-            <a:r>
-              <a:rPr lang="en-NZ" dirty="0" smtClean="0"/>
-              <a:t>What vowels cluster together across time, in individuals’ </a:t>
-            </a:r>
-            <a:r>
-              <a:rPr lang="en-NZ" dirty="0" smtClean="0"/>
-              <a:t>monologues </a:t>
-            </a:r>
-            <a:r>
-              <a:rPr lang="en-NZ" dirty="0" smtClean="0"/>
-              <a:t>(</a:t>
-            </a:r>
-            <a:r>
-              <a:rPr lang="en-NZ" i="1" dirty="0" smtClean="0">
-                <a:solidFill>
-                  <a:srgbClr val="FF0000"/>
-                </a:solidFill>
-              </a:rPr>
-              <a:t>want to explore degree to which things are associated</a:t>
-            </a:r>
-            <a:r>
-              <a:rPr lang="en-NZ" dirty="0" smtClean="0"/>
-              <a:t>).</a:t>
-            </a:r>
-          </a:p>
-          <a:p>
-            <a:endParaRPr lang="en-NZ" dirty="0" smtClean="0"/>
-          </a:p>
-          <a:p>
-            <a:endParaRPr lang="en-NZ" dirty="0" smtClean="0"/>
-          </a:p>
-          <a:p>
-            <a:endParaRPr lang="en-NZ" dirty="0"/>
-          </a:p>
-        </p:txBody>
-      </p:sp>
-    </p:spTree>
-    <p:extLst>
-      <p:ext uri="{BB962C8B-B14F-4D97-AF65-F5344CB8AC3E}">
-        <p14:creationId xmlns:p14="http://schemas.microsoft.com/office/powerpoint/2010/main" val="2947237800"/>
       </p:ext>
     </p:extLst>
   </p:cSld>
@@ -9789,8 +11090,13 @@
           <a:p>
             <a:r>
               <a:rPr lang="en-NZ" dirty="0" smtClean="0"/>
-              <a:t>Four data-sets.   </a:t>
-            </a:r>
+              <a:t>Four </a:t>
+            </a:r>
+            <a:r>
+              <a:rPr lang="en-NZ" dirty="0" smtClean="0"/>
+              <a:t>data-sets</a:t>
+            </a:r>
+            <a:endParaRPr lang="en-NZ" dirty="0" smtClean="0"/>
           </a:p>
           <a:p>
             <a:endParaRPr lang="en-NZ" dirty="0"/>
@@ -9826,11 +11132,11 @@
             </a:r>
             <a:r>
               <a:rPr lang="en-NZ" dirty="0" smtClean="0"/>
-              <a:t>to </a:t>
+              <a:t>then use </a:t>
             </a:r>
             <a:r>
               <a:rPr lang="en-NZ" dirty="0" smtClean="0"/>
-              <a:t>use to predict pronunciation)</a:t>
+              <a:t>to predict pronunciation)</a:t>
             </a:r>
           </a:p>
           <a:p>
@@ -9852,7 +11158,19 @@
             </a:r>
             <a:r>
               <a:rPr lang="en-NZ" dirty="0" smtClean="0"/>
-              <a:t>’ syllables? (</a:t>
+              <a:t>’ </a:t>
+            </a:r>
+            <a:r>
+              <a:rPr lang="en-NZ" dirty="0" err="1" smtClean="0"/>
+              <a:t>triphones</a:t>
+            </a:r>
+            <a:r>
+              <a:rPr lang="en-NZ" dirty="0" smtClean="0"/>
+              <a:t>? </a:t>
+            </a:r>
+            <a:r>
+              <a:rPr lang="en-NZ" dirty="0" smtClean="0"/>
+              <a:t>(</a:t>
             </a:r>
             <a:r>
               <a:rPr lang="en-NZ" i="1" dirty="0" smtClean="0">
@@ -9942,265 +11260,10 @@
           </a:p>
         </p:txBody>
       </p:sp>
-      <p:sp>
-        <p:nvSpPr>
-          <p:cNvPr id="4" name="TextBox 3"/>
-          <p:cNvSpPr txBox="1"/>
-          <p:nvPr/>
-        </p:nvSpPr>
-        <p:spPr>
-          <a:xfrm>
-            <a:off x="8552146" y="3202646"/>
-            <a:ext cx="3261021" cy="369332"/>
-          </a:xfrm>
-          <a:prstGeom prst="rect">
-            <a:avLst/>
-          </a:prstGeom>
-          <a:noFill/>
-        </p:spPr>
-        <p:txBody>
-          <a:bodyPr wrap="none" rtlCol="0">
-            <a:spAutoFit/>
-          </a:bodyPr>
-          <a:lstStyle/>
-          <a:p>
-            <a:r>
-              <a:rPr lang="en-NZ" dirty="0" smtClean="0">
-                <a:solidFill>
-                  <a:schemeClr val="accent1">
-                    <a:lumMod val="75000"/>
-                  </a:schemeClr>
-                </a:solidFill>
-              </a:rPr>
-              <a:t>EXTRACT </a:t>
-            </a:r>
-            <a:r>
-              <a:rPr lang="en-NZ" dirty="0" smtClean="0">
-                <a:solidFill>
-                  <a:schemeClr val="accent1">
-                    <a:lumMod val="75000"/>
-                  </a:schemeClr>
-                </a:solidFill>
-              </a:rPr>
-              <a:t>PC scores for SPEAKERS</a:t>
-            </a:r>
-            <a:endParaRPr lang="en-NZ" dirty="0">
-              <a:solidFill>
-                <a:schemeClr val="accent1">
-                  <a:lumMod val="75000"/>
-                </a:schemeClr>
-              </a:solidFill>
-            </a:endParaRPr>
-          </a:p>
-        </p:txBody>
-      </p:sp>
-      <p:sp>
-        <p:nvSpPr>
-          <p:cNvPr id="5" name="TextBox 4"/>
-          <p:cNvSpPr txBox="1"/>
-          <p:nvPr/>
-        </p:nvSpPr>
-        <p:spPr>
-          <a:xfrm>
-            <a:off x="8447385" y="4174250"/>
-            <a:ext cx="3825150" cy="369332"/>
-          </a:xfrm>
-          <a:prstGeom prst="rect">
-            <a:avLst/>
-          </a:prstGeom>
-          <a:noFill/>
-        </p:spPr>
-        <p:txBody>
-          <a:bodyPr wrap="none" rtlCol="0">
-            <a:spAutoFit/>
-          </a:bodyPr>
-          <a:lstStyle/>
-          <a:p>
-            <a:r>
-              <a:rPr lang="en-NZ" dirty="0" smtClean="0">
-                <a:solidFill>
-                  <a:schemeClr val="accent1">
-                    <a:lumMod val="75000"/>
-                  </a:schemeClr>
-                </a:solidFill>
-              </a:rPr>
-              <a:t>EXTRACT PC scores </a:t>
-            </a:r>
-            <a:r>
-              <a:rPr lang="en-NZ" dirty="0" smtClean="0">
-                <a:solidFill>
-                  <a:schemeClr val="accent1">
-                    <a:lumMod val="75000"/>
-                  </a:schemeClr>
-                </a:solidFill>
-              </a:rPr>
-              <a:t>for VOWEL </a:t>
-            </a:r>
-            <a:r>
-              <a:rPr lang="en-NZ" dirty="0" smtClean="0">
-                <a:solidFill>
-                  <a:schemeClr val="accent1">
-                    <a:lumMod val="75000"/>
-                  </a:schemeClr>
-                </a:solidFill>
-              </a:rPr>
-              <a:t>TOKENS</a:t>
-            </a:r>
-            <a:endParaRPr lang="en-NZ" dirty="0">
-              <a:solidFill>
-                <a:schemeClr val="accent1">
-                  <a:lumMod val="75000"/>
-                </a:schemeClr>
-              </a:solidFill>
-            </a:endParaRPr>
-          </a:p>
-        </p:txBody>
-      </p:sp>
-      <p:sp>
-        <p:nvSpPr>
-          <p:cNvPr id="6" name="TextBox 5"/>
-          <p:cNvSpPr txBox="1"/>
-          <p:nvPr/>
-        </p:nvSpPr>
-        <p:spPr>
-          <a:xfrm>
-            <a:off x="8137955" y="5983914"/>
-            <a:ext cx="4022448" cy="369332"/>
-          </a:xfrm>
-          <a:prstGeom prst="rect">
-            <a:avLst/>
-          </a:prstGeom>
-          <a:noFill/>
-        </p:spPr>
-        <p:txBody>
-          <a:bodyPr wrap="none" rtlCol="0">
-            <a:spAutoFit/>
-          </a:bodyPr>
-          <a:lstStyle/>
-          <a:p>
-            <a:r>
-              <a:rPr lang="en-NZ" dirty="0" smtClean="0">
-                <a:solidFill>
-                  <a:schemeClr val="accent1">
-                    <a:lumMod val="75000"/>
-                  </a:schemeClr>
-                </a:solidFill>
-              </a:rPr>
-              <a:t>INVESTIGATE ASSOCIATIONS WITHIN PCA</a:t>
-            </a:r>
-            <a:endParaRPr lang="en-NZ" dirty="0">
-              <a:solidFill>
-                <a:schemeClr val="accent1">
-                  <a:lumMod val="75000"/>
-                </a:schemeClr>
-              </a:solidFill>
-            </a:endParaRPr>
-          </a:p>
-        </p:txBody>
-      </p:sp>
-      <p:cxnSp>
-        <p:nvCxnSpPr>
-          <p:cNvPr id="8" name="Straight Arrow Connector 7"/>
-          <p:cNvCxnSpPr/>
-          <p:nvPr/>
-        </p:nvCxnSpPr>
-        <p:spPr>
-          <a:xfrm flipH="1" flipV="1">
-            <a:off x="7882324" y="6099291"/>
-            <a:ext cx="305712" cy="283828"/>
-          </a:xfrm>
-          <a:prstGeom prst="straightConnector1">
-            <a:avLst/>
-          </a:prstGeom>
-          <a:ln>
-            <a:tailEnd type="triangle"/>
-          </a:ln>
-        </p:spPr>
-        <p:style>
-          <a:lnRef idx="1">
-            <a:schemeClr val="accent1"/>
-          </a:lnRef>
-          <a:fillRef idx="0">
-            <a:schemeClr val="accent1"/>
-          </a:fillRef>
-          <a:effectRef idx="0">
-            <a:schemeClr val="accent1"/>
-          </a:effectRef>
-          <a:fontRef idx="minor">
-            <a:schemeClr val="tx1"/>
-          </a:fontRef>
-        </p:style>
-      </p:cxnSp>
-      <p:cxnSp>
-        <p:nvCxnSpPr>
-          <p:cNvPr id="9" name="Straight Arrow Connector 8"/>
-          <p:cNvCxnSpPr/>
-          <p:nvPr/>
-        </p:nvCxnSpPr>
-        <p:spPr>
-          <a:xfrm flipH="1" flipV="1">
-            <a:off x="8188036" y="4170375"/>
-            <a:ext cx="364111" cy="222168"/>
-          </a:xfrm>
-          <a:prstGeom prst="straightConnector1">
-            <a:avLst/>
-          </a:prstGeom>
-          <a:ln>
-            <a:tailEnd type="triangle"/>
-          </a:ln>
-        </p:spPr>
-        <p:style>
-          <a:lnRef idx="1">
-            <a:schemeClr val="accent1"/>
-          </a:lnRef>
-          <a:fillRef idx="0">
-            <a:schemeClr val="accent1"/>
-          </a:fillRef>
-          <a:effectRef idx="0">
-            <a:schemeClr val="accent1"/>
-          </a:effectRef>
-          <a:fontRef idx="minor">
-            <a:schemeClr val="tx1"/>
-          </a:fontRef>
-        </p:style>
-      </p:cxnSp>
-      <p:cxnSp>
-        <p:nvCxnSpPr>
-          <p:cNvPr id="11" name="Straight Arrow Connector 10"/>
-          <p:cNvCxnSpPr/>
-          <p:nvPr/>
-        </p:nvCxnSpPr>
-        <p:spPr>
-          <a:xfrm flipH="1" flipV="1">
-            <a:off x="8188036" y="3202646"/>
-            <a:ext cx="401776" cy="206042"/>
-          </a:xfrm>
-          <a:prstGeom prst="straightConnector1">
-            <a:avLst/>
-          </a:prstGeom>
-          <a:ln>
-            <a:tailEnd type="triangle"/>
-          </a:ln>
-        </p:spPr>
-        <p:style>
-          <a:lnRef idx="1">
-            <a:schemeClr val="accent1"/>
-          </a:lnRef>
-          <a:fillRef idx="0">
-            <a:schemeClr val="accent1"/>
-          </a:fillRef>
-          <a:effectRef idx="0">
-            <a:schemeClr val="accent1"/>
-          </a:effectRef>
-          <a:fontRef idx="minor">
-            <a:schemeClr val="tx1"/>
-          </a:fontRef>
-        </p:style>
-      </p:cxnSp>
     </p:spTree>
     <p:extLst>
       <p:ext uri="{BB962C8B-B14F-4D97-AF65-F5344CB8AC3E}">
-        <p14:creationId xmlns:p14="http://schemas.microsoft.com/office/powerpoint/2010/main" val="1693509226"/>
+        <p14:creationId xmlns:p14="http://schemas.microsoft.com/office/powerpoint/2010/main" val="2947237800"/>
       </p:ext>
     </p:extLst>
   </p:cSld>
